--- a/Slides/06. Análise Léxica.pptx
+++ b/Slides/06. Análise Léxica.pptx
@@ -161,19 +161,14 @@
 <file path=ppt/revisionInfo.xml><?xml version="1.0" encoding="utf-8"?>
 <p1510:revInfo xmlns:a="http://schemas.openxmlformats.org/drawingml/2006/main" xmlns:r="http://schemas.openxmlformats.org/officeDocument/2006/relationships" xmlns:p1510="http://schemas.microsoft.com/office/powerpoint/2015/10/main">
   <p1510:revLst>
-    <p1510:client id="{C0766409-42EB-481D-975B-ED4289A28BF3}" v="6" dt="2019-10-09T20:38:23.321"/>
+    <p1510:client id="{32609701-2BC6-441C-8248-EC3858056055}" v="20" dt="2021-03-15T18:24:52.751"/>
+    <p1510:client id="{9413CBD2-7B7F-4A0A-8D1B-ECED9EE8305F}" v="1" dt="2021-03-15T17:35:39.952"/>
   </p1510:revLst>
 </p1510:revInfo>
 </file>
 
 <file path=ppt/changesInfos/changesInfo1.xml><?xml version="1.0" encoding="utf-8"?>
 <pc:chgInfo xmlns:a="http://schemas.openxmlformats.org/drawingml/2006/main" xmlns:r="http://schemas.openxmlformats.org/officeDocument/2006/relationships" xmlns:ac="http://schemas.microsoft.com/office/drawing/2013/main/command" xmlns:pc="http://schemas.microsoft.com/office/powerpoint/2013/main/command">
-  <pc:docChgLst>
-    <pc:chgData name="Judson Santiago" userId="ebb108da2f256286" providerId="LiveId" clId="{A626DAF5-E94C-4A08-8E11-2DDB4976B68A}"/>
-  </pc:docChgLst>
-  <pc:docChgLst>
-    <pc:chgData name="Judson Santiago" userId="ebb108da2f256286" providerId="LiveId" clId="{6B24C4E9-F0FD-4422-90AF-3A38C7E1EC46}"/>
-  </pc:docChgLst>
   <pc:docChgLst>
     <pc:chgData name="Judson Santiago" userId="ebb108da2f256286" providerId="LiveId" clId="{C0766409-42EB-481D-975B-ED4289A28BF3}"/>
     <pc:docChg chg="modSld">
@@ -276,6 +271,297 @@
             <pc:docMk/>
             <pc:sldMk cId="3855712945" sldId="310"/>
             <ac:spMk id="3" creationId="{11DF0816-EB0D-4989-BC39-2195AD203A90}"/>
+          </ac:spMkLst>
+        </pc:spChg>
+      </pc:sldChg>
+    </pc:docChg>
+  </pc:docChgLst>
+  <pc:docChgLst>
+    <pc:chgData name="Judson Santiago" userId="ebb108da2f256286" providerId="LiveId" clId="{32609701-2BC6-441C-8248-EC3858056055}"/>
+    <pc:docChg chg="undo redo custSel modSld">
+      <pc:chgData name="Judson Santiago" userId="ebb108da2f256286" providerId="LiveId" clId="{32609701-2BC6-441C-8248-EC3858056055}" dt="2021-03-15T18:49:44.186" v="1330" actId="6549"/>
+      <pc:docMkLst>
+        <pc:docMk/>
+      </pc:docMkLst>
+      <pc:sldChg chg="modSp mod">
+        <pc:chgData name="Judson Santiago" userId="ebb108da2f256286" providerId="LiveId" clId="{32609701-2BC6-441C-8248-EC3858056055}" dt="2021-03-15T17:00:26.483" v="26" actId="20577"/>
+        <pc:sldMkLst>
+          <pc:docMk/>
+          <pc:sldMk cId="3191359837" sldId="289"/>
+        </pc:sldMkLst>
+        <pc:spChg chg="mod">
+          <ac:chgData name="Judson Santiago" userId="ebb108da2f256286" providerId="LiveId" clId="{32609701-2BC6-441C-8248-EC3858056055}" dt="2021-03-15T17:00:26.483" v="26" actId="20577"/>
+          <ac:spMkLst>
+            <pc:docMk/>
+            <pc:sldMk cId="3191359837" sldId="289"/>
+            <ac:spMk id="3" creationId="{DC69276B-9F34-4BF7-AE44-6CF9FBBD34FB}"/>
+          </ac:spMkLst>
+        </pc:spChg>
+      </pc:sldChg>
+      <pc:sldChg chg="modSp mod">
+        <pc:chgData name="Judson Santiago" userId="ebb108da2f256286" providerId="LiveId" clId="{32609701-2BC6-441C-8248-EC3858056055}" dt="2021-03-15T17:29:42.379" v="751" actId="20577"/>
+        <pc:sldMkLst>
+          <pc:docMk/>
+          <pc:sldMk cId="2637236742" sldId="291"/>
+        </pc:sldMkLst>
+        <pc:spChg chg="mod">
+          <ac:chgData name="Judson Santiago" userId="ebb108da2f256286" providerId="LiveId" clId="{32609701-2BC6-441C-8248-EC3858056055}" dt="2021-03-15T17:29:42.379" v="751" actId="20577"/>
+          <ac:spMkLst>
+            <pc:docMk/>
+            <pc:sldMk cId="2637236742" sldId="291"/>
+            <ac:spMk id="3" creationId="{8115A647-920C-4E65-A790-8D3202C6FA01}"/>
+          </ac:spMkLst>
+        </pc:spChg>
+      </pc:sldChg>
+      <pc:sldChg chg="modSp mod">
+        <pc:chgData name="Judson Santiago" userId="ebb108da2f256286" providerId="LiveId" clId="{32609701-2BC6-441C-8248-EC3858056055}" dt="2021-03-15T17:19:38.575" v="226" actId="20577"/>
+        <pc:sldMkLst>
+          <pc:docMk/>
+          <pc:sldMk cId="3688689528" sldId="293"/>
+        </pc:sldMkLst>
+        <pc:spChg chg="mod">
+          <ac:chgData name="Judson Santiago" userId="ebb108da2f256286" providerId="LiveId" clId="{32609701-2BC6-441C-8248-EC3858056055}" dt="2021-03-15T17:19:38.575" v="226" actId="20577"/>
+          <ac:spMkLst>
+            <pc:docMk/>
+            <pc:sldMk cId="3688689528" sldId="293"/>
+            <ac:spMk id="3" creationId="{710F6D0E-C6E0-4971-9283-A706C080A395}"/>
+          </ac:spMkLst>
+        </pc:spChg>
+      </pc:sldChg>
+      <pc:sldChg chg="modSp mod">
+        <pc:chgData name="Judson Santiago" userId="ebb108da2f256286" providerId="LiveId" clId="{32609701-2BC6-441C-8248-EC3858056055}" dt="2021-03-15T17:12:48.751" v="190" actId="6549"/>
+        <pc:sldMkLst>
+          <pc:docMk/>
+          <pc:sldMk cId="4199838892" sldId="294"/>
+        </pc:sldMkLst>
+        <pc:spChg chg="mod">
+          <ac:chgData name="Judson Santiago" userId="ebb108da2f256286" providerId="LiveId" clId="{32609701-2BC6-441C-8248-EC3858056055}" dt="2021-03-15T17:08:47.900" v="175" actId="6549"/>
+          <ac:spMkLst>
+            <pc:docMk/>
+            <pc:sldMk cId="4199838892" sldId="294"/>
+            <ac:spMk id="3" creationId="{45CC6AAA-D740-45B0-B32B-CF13DC13D1E1}"/>
+          </ac:spMkLst>
+        </pc:spChg>
+        <pc:spChg chg="mod">
+          <ac:chgData name="Judson Santiago" userId="ebb108da2f256286" providerId="LiveId" clId="{32609701-2BC6-441C-8248-EC3858056055}" dt="2021-03-15T17:12:48.751" v="190" actId="6549"/>
+          <ac:spMkLst>
+            <pc:docMk/>
+            <pc:sldMk cId="4199838892" sldId="294"/>
+            <ac:spMk id="5" creationId="{9BFBD8F9-FD02-4FB5-8A97-C681B9D3C1B8}"/>
+          </ac:spMkLst>
+        </pc:spChg>
+      </pc:sldChg>
+      <pc:sldChg chg="modSp mod modNotesTx">
+        <pc:chgData name="Judson Santiago" userId="ebb108da2f256286" providerId="LiveId" clId="{32609701-2BC6-441C-8248-EC3858056055}" dt="2021-03-15T17:29:13.987" v="750" actId="6549"/>
+        <pc:sldMkLst>
+          <pc:docMk/>
+          <pc:sldMk cId="196716189" sldId="295"/>
+        </pc:sldMkLst>
+        <pc:spChg chg="mod">
+          <ac:chgData name="Judson Santiago" userId="ebb108da2f256286" providerId="LiveId" clId="{32609701-2BC6-441C-8248-EC3858056055}" dt="2021-03-15T17:25:31.368" v="329" actId="20577"/>
+          <ac:spMkLst>
+            <pc:docMk/>
+            <pc:sldMk cId="196716189" sldId="295"/>
+            <ac:spMk id="3" creationId="{DF599A53-D816-4DB9-8604-31B0C12D70E4}"/>
+          </ac:spMkLst>
+        </pc:spChg>
+      </pc:sldChg>
+      <pc:sldChg chg="addSp modSp mod">
+        <pc:chgData name="Judson Santiago" userId="ebb108da2f256286" providerId="LiveId" clId="{32609701-2BC6-441C-8248-EC3858056055}" dt="2021-03-15T18:24:42.327" v="952" actId="207"/>
+        <pc:sldMkLst>
+          <pc:docMk/>
+          <pc:sldMk cId="283492050" sldId="300"/>
+        </pc:sldMkLst>
+        <pc:spChg chg="mod">
+          <ac:chgData name="Judson Santiago" userId="ebb108da2f256286" providerId="LiveId" clId="{32609701-2BC6-441C-8248-EC3858056055}" dt="2021-03-15T18:15:34.919" v="930" actId="6549"/>
+          <ac:spMkLst>
+            <pc:docMk/>
+            <pc:sldMk cId="283492050" sldId="300"/>
+            <ac:spMk id="3" creationId="{005689A5-D428-475F-B338-4FB551191C52}"/>
+          </ac:spMkLst>
+        </pc:spChg>
+        <pc:spChg chg="mod">
+          <ac:chgData name="Judson Santiago" userId="ebb108da2f256286" providerId="LiveId" clId="{32609701-2BC6-441C-8248-EC3858056055}" dt="2021-03-15T18:24:42.327" v="952" actId="207"/>
+          <ac:spMkLst>
+            <pc:docMk/>
+            <pc:sldMk cId="283492050" sldId="300"/>
+            <ac:spMk id="4" creationId="{441D2CDF-3F20-49F8-BBFA-15088D14629B}"/>
+          </ac:spMkLst>
+        </pc:spChg>
+        <pc:graphicFrameChg chg="add mod modGraphic">
+          <ac:chgData name="Judson Santiago" userId="ebb108da2f256286" providerId="LiveId" clId="{32609701-2BC6-441C-8248-EC3858056055}" dt="2021-03-15T18:23:29.588" v="948" actId="207"/>
+          <ac:graphicFrameMkLst>
+            <pc:docMk/>
+            <pc:sldMk cId="283492050" sldId="300"/>
+            <ac:graphicFrameMk id="5" creationId="{B6FC11E9-8A94-438B-B485-253F68F77824}"/>
+          </ac:graphicFrameMkLst>
+        </pc:graphicFrameChg>
+      </pc:sldChg>
+      <pc:sldChg chg="modSp mod">
+        <pc:chgData name="Judson Santiago" userId="ebb108da2f256286" providerId="LiveId" clId="{32609701-2BC6-441C-8248-EC3858056055}" dt="2021-03-15T18:27:36.975" v="955" actId="20577"/>
+        <pc:sldMkLst>
+          <pc:docMk/>
+          <pc:sldMk cId="1414995021" sldId="301"/>
+        </pc:sldMkLst>
+        <pc:spChg chg="mod">
+          <ac:chgData name="Judson Santiago" userId="ebb108da2f256286" providerId="LiveId" clId="{32609701-2BC6-441C-8248-EC3858056055}" dt="2021-03-15T18:27:36.975" v="955" actId="20577"/>
+          <ac:spMkLst>
+            <pc:docMk/>
+            <pc:sldMk cId="1414995021" sldId="301"/>
+            <ac:spMk id="4" creationId="{AF54D1FC-0B90-42C3-AE4B-A14347381E46}"/>
+          </ac:spMkLst>
+        </pc:spChg>
+      </pc:sldChg>
+      <pc:sldChg chg="modSp mod">
+        <pc:chgData name="Judson Santiago" userId="ebb108da2f256286" providerId="LiveId" clId="{32609701-2BC6-441C-8248-EC3858056055}" dt="2021-03-15T18:32:53.366" v="971" actId="20577"/>
+        <pc:sldMkLst>
+          <pc:docMk/>
+          <pc:sldMk cId="1382133928" sldId="302"/>
+        </pc:sldMkLst>
+        <pc:spChg chg="mod">
+          <ac:chgData name="Judson Santiago" userId="ebb108da2f256286" providerId="LiveId" clId="{32609701-2BC6-441C-8248-EC3858056055}" dt="2021-03-15T18:32:53.366" v="971" actId="20577"/>
+          <ac:spMkLst>
+            <pc:docMk/>
+            <pc:sldMk cId="1382133928" sldId="302"/>
+            <ac:spMk id="3" creationId="{0B2AAB7F-B94B-43DC-AA71-63E5B783CB52}"/>
+          </ac:spMkLst>
+        </pc:spChg>
+        <pc:spChg chg="mod">
+          <ac:chgData name="Judson Santiago" userId="ebb108da2f256286" providerId="LiveId" clId="{32609701-2BC6-441C-8248-EC3858056055}" dt="2021-03-15T18:30:44.922" v="964" actId="20577"/>
+          <ac:spMkLst>
+            <pc:docMk/>
+            <pc:sldMk cId="1382133928" sldId="302"/>
+            <ac:spMk id="4" creationId="{6C8CC97F-FC7F-417A-89D1-1D9E68AC831C}"/>
+          </ac:spMkLst>
+        </pc:spChg>
+      </pc:sldChg>
+      <pc:sldChg chg="modSp mod modNotesTx">
+        <pc:chgData name="Judson Santiago" userId="ebb108da2f256286" providerId="LiveId" clId="{32609701-2BC6-441C-8248-EC3858056055}" dt="2021-03-15T18:35:28.362" v="1143" actId="1076"/>
+        <pc:sldMkLst>
+          <pc:docMk/>
+          <pc:sldMk cId="870900206" sldId="303"/>
+        </pc:sldMkLst>
+        <pc:spChg chg="mod">
+          <ac:chgData name="Judson Santiago" userId="ebb108da2f256286" providerId="LiveId" clId="{32609701-2BC6-441C-8248-EC3858056055}" dt="2021-03-15T18:35:13.436" v="1141" actId="20577"/>
+          <ac:spMkLst>
+            <pc:docMk/>
+            <pc:sldMk cId="870900206" sldId="303"/>
+            <ac:spMk id="3" creationId="{0C0A0185-D32B-4979-95B0-60446D33717D}"/>
+          </ac:spMkLst>
+        </pc:spChg>
+        <pc:grpChg chg="mod">
+          <ac:chgData name="Judson Santiago" userId="ebb108da2f256286" providerId="LiveId" clId="{32609701-2BC6-441C-8248-EC3858056055}" dt="2021-03-15T18:35:28.362" v="1143" actId="1076"/>
+          <ac:grpSpMkLst>
+            <pc:docMk/>
+            <pc:sldMk cId="870900206" sldId="303"/>
+            <ac:grpSpMk id="18" creationId="{46D63EB4-07C7-44D5-8404-01A158EFE3F9}"/>
+          </ac:grpSpMkLst>
+        </pc:grpChg>
+      </pc:sldChg>
+      <pc:sldChg chg="modSp mod">
+        <pc:chgData name="Judson Santiago" userId="ebb108da2f256286" providerId="LiveId" clId="{32609701-2BC6-441C-8248-EC3858056055}" dt="2021-03-15T18:37:10.286" v="1188" actId="20577"/>
+        <pc:sldMkLst>
+          <pc:docMk/>
+          <pc:sldMk cId="4232314344" sldId="304"/>
+        </pc:sldMkLst>
+        <pc:spChg chg="mod">
+          <ac:chgData name="Judson Santiago" userId="ebb108da2f256286" providerId="LiveId" clId="{32609701-2BC6-441C-8248-EC3858056055}" dt="2021-03-15T18:37:10.286" v="1188" actId="20577"/>
+          <ac:spMkLst>
+            <pc:docMk/>
+            <pc:sldMk cId="4232314344" sldId="304"/>
+            <ac:spMk id="3" creationId="{0C0A0185-D32B-4979-95B0-60446D33717D}"/>
+          </ac:spMkLst>
+        </pc:spChg>
+        <pc:spChg chg="mod">
+          <ac:chgData name="Judson Santiago" userId="ebb108da2f256286" providerId="LiveId" clId="{32609701-2BC6-441C-8248-EC3858056055}" dt="2021-03-15T18:36:05.932" v="1147" actId="207"/>
+          <ac:spMkLst>
+            <pc:docMk/>
+            <pc:sldMk cId="4232314344" sldId="304"/>
+            <ac:spMk id="20" creationId="{0BF24BB4-75A5-464A-B2C6-5952D0420C94}"/>
+          </ac:spMkLst>
+        </pc:spChg>
+      </pc:sldChg>
+      <pc:sldChg chg="modSp mod">
+        <pc:chgData name="Judson Santiago" userId="ebb108da2f256286" providerId="LiveId" clId="{32609701-2BC6-441C-8248-EC3858056055}" dt="2021-03-15T18:46:47.181" v="1322" actId="207"/>
+        <pc:sldMkLst>
+          <pc:docMk/>
+          <pc:sldMk cId="3774473808" sldId="305"/>
+        </pc:sldMkLst>
+        <pc:spChg chg="mod">
+          <ac:chgData name="Judson Santiago" userId="ebb108da2f256286" providerId="LiveId" clId="{32609701-2BC6-441C-8248-EC3858056055}" dt="2021-03-15T18:46:25.390" v="1315" actId="20577"/>
+          <ac:spMkLst>
+            <pc:docMk/>
+            <pc:sldMk cId="3774473808" sldId="305"/>
+            <ac:spMk id="3" creationId="{0C0A0185-D32B-4979-95B0-60446D33717D}"/>
+          </ac:spMkLst>
+        </pc:spChg>
+        <pc:spChg chg="mod">
+          <ac:chgData name="Judson Santiago" userId="ebb108da2f256286" providerId="LiveId" clId="{32609701-2BC6-441C-8248-EC3858056055}" dt="2021-03-15T18:46:47.181" v="1322" actId="207"/>
+          <ac:spMkLst>
+            <pc:docMk/>
+            <pc:sldMk cId="3774473808" sldId="305"/>
+            <ac:spMk id="20" creationId="{0BF24BB4-75A5-464A-B2C6-5952D0420C94}"/>
+          </ac:spMkLst>
+        </pc:spChg>
+      </pc:sldChg>
+      <pc:sldChg chg="modSp mod">
+        <pc:chgData name="Judson Santiago" userId="ebb108da2f256286" providerId="LiveId" clId="{32609701-2BC6-441C-8248-EC3858056055}" dt="2021-03-15T18:43:45.843" v="1314" actId="207"/>
+        <pc:sldMkLst>
+          <pc:docMk/>
+          <pc:sldMk cId="1710819003" sldId="306"/>
+        </pc:sldMkLst>
+        <pc:spChg chg="mod">
+          <ac:chgData name="Judson Santiago" userId="ebb108da2f256286" providerId="LiveId" clId="{32609701-2BC6-441C-8248-EC3858056055}" dt="2021-03-15T18:43:05.966" v="1288" actId="6549"/>
+          <ac:spMkLst>
+            <pc:docMk/>
+            <pc:sldMk cId="1710819003" sldId="306"/>
+            <ac:spMk id="3" creationId="{BC9B491A-D5C0-4D2F-911B-0562CDFBE8B5}"/>
+          </ac:spMkLst>
+        </pc:spChg>
+        <pc:spChg chg="mod">
+          <ac:chgData name="Judson Santiago" userId="ebb108da2f256286" providerId="LiveId" clId="{32609701-2BC6-441C-8248-EC3858056055}" dt="2021-03-15T18:41:04.432" v="1232" actId="207"/>
+          <ac:spMkLst>
+            <pc:docMk/>
+            <pc:sldMk cId="1710819003" sldId="306"/>
+            <ac:spMk id="4" creationId="{4FC91920-DD11-477B-BBF7-E7414EA76AC5}"/>
+          </ac:spMkLst>
+        </pc:spChg>
+        <pc:spChg chg="mod">
+          <ac:chgData name="Judson Santiago" userId="ebb108da2f256286" providerId="LiveId" clId="{32609701-2BC6-441C-8248-EC3858056055}" dt="2021-03-15T18:43:45.843" v="1314" actId="207"/>
+          <ac:spMkLst>
+            <pc:docMk/>
+            <pc:sldMk cId="1710819003" sldId="306"/>
+            <ac:spMk id="5" creationId="{B467E64F-B8AD-4797-BA10-3174BFCA7F76}"/>
+          </ac:spMkLst>
+        </pc:spChg>
+      </pc:sldChg>
+      <pc:sldChg chg="modSp mod">
+        <pc:chgData name="Judson Santiago" userId="ebb108da2f256286" providerId="LiveId" clId="{32609701-2BC6-441C-8248-EC3858056055}" dt="2021-03-15T18:49:44.186" v="1330" actId="6549"/>
+        <pc:sldMkLst>
+          <pc:docMk/>
+          <pc:sldMk cId="703241307" sldId="308"/>
+        </pc:sldMkLst>
+        <pc:spChg chg="mod">
+          <ac:chgData name="Judson Santiago" userId="ebb108da2f256286" providerId="LiveId" clId="{32609701-2BC6-441C-8248-EC3858056055}" dt="2021-03-15T18:49:44.186" v="1330" actId="6549"/>
+          <ac:spMkLst>
+            <pc:docMk/>
+            <pc:sldMk cId="703241307" sldId="308"/>
+            <ac:spMk id="4" creationId="{4CB19B4D-C803-4DD7-9D15-0EE137CC61D8}"/>
+          </ac:spMkLst>
+        </pc:spChg>
+      </pc:sldChg>
+      <pc:sldChg chg="modSp mod">
+        <pc:chgData name="Judson Santiago" userId="ebb108da2f256286" providerId="LiveId" clId="{32609701-2BC6-441C-8248-EC3858056055}" dt="2021-03-15T16:38:52.447" v="0" actId="207"/>
+        <pc:sldMkLst>
+          <pc:docMk/>
+          <pc:sldMk cId="3813757586" sldId="309"/>
+        </pc:sldMkLst>
+        <pc:spChg chg="mod">
+          <ac:chgData name="Judson Santiago" userId="ebb108da2f256286" providerId="LiveId" clId="{32609701-2BC6-441C-8248-EC3858056055}" dt="2021-03-15T16:38:52.447" v="0" actId="207"/>
+          <ac:spMkLst>
+            <pc:docMk/>
+            <pc:sldMk cId="3813757586" sldId="309"/>
+            <ac:spMk id="3" creationId="{02B91FA4-5F53-4CE0-98EB-457EBE8CD16E}"/>
           </ac:spMkLst>
         </pc:spChg>
       </pc:sldChg>
@@ -583,10 +869,43 @@
     </pc:docChg>
   </pc:docChgLst>
   <pc:docChgLst>
-    <pc:chgData name="Judson Santiago" userId="ebb108da2f256286" providerId="LiveId" clId="{6460987E-0422-49ED-8524-BE8BE6357E3F}"/>
-  </pc:docChgLst>
-  <pc:docChgLst>
-    <pc:chgData name="Judson Santiago" userId="ebb108da2f256286" providerId="LiveId" clId="{31444728-AE06-4765-A4A9-D22B07A206B6}"/>
+    <pc:chgData name="Judson Santiago" userId="ebb108da2f256286" providerId="LiveId" clId="{9413CBD2-7B7F-4A0A-8D1B-ECED9EE8305F}"/>
+    <pc:docChg chg="undo custSel modSld">
+      <pc:chgData name="Judson Santiago" userId="ebb108da2f256286" providerId="LiveId" clId="{9413CBD2-7B7F-4A0A-8D1B-ECED9EE8305F}" dt="2021-03-15T17:43:09.824" v="123" actId="207"/>
+      <pc:docMkLst>
+        <pc:docMk/>
+      </pc:docMkLst>
+      <pc:sldChg chg="modSp mod modNotesTx">
+        <pc:chgData name="Judson Santiago" userId="ebb108da2f256286" providerId="LiveId" clId="{9413CBD2-7B7F-4A0A-8D1B-ECED9EE8305F}" dt="2021-03-15T17:35:45.844" v="100" actId="20577"/>
+        <pc:sldMkLst>
+          <pc:docMk/>
+          <pc:sldMk cId="2637236742" sldId="291"/>
+        </pc:sldMkLst>
+        <pc:spChg chg="mod">
+          <ac:chgData name="Judson Santiago" userId="ebb108da2f256286" providerId="LiveId" clId="{9413CBD2-7B7F-4A0A-8D1B-ECED9EE8305F}" dt="2021-03-15T17:34:32.339" v="2" actId="403"/>
+          <ac:spMkLst>
+            <pc:docMk/>
+            <pc:sldMk cId="2637236742" sldId="291"/>
+            <ac:spMk id="3" creationId="{8115A647-920C-4E65-A790-8D3202C6FA01}"/>
+          </ac:spMkLst>
+        </pc:spChg>
+      </pc:sldChg>
+      <pc:sldChg chg="modSp mod">
+        <pc:chgData name="Judson Santiago" userId="ebb108da2f256286" providerId="LiveId" clId="{9413CBD2-7B7F-4A0A-8D1B-ECED9EE8305F}" dt="2021-03-15T17:43:09.824" v="123" actId="207"/>
+        <pc:sldMkLst>
+          <pc:docMk/>
+          <pc:sldMk cId="303541243" sldId="298"/>
+        </pc:sldMkLst>
+        <pc:spChg chg="mod">
+          <ac:chgData name="Judson Santiago" userId="ebb108da2f256286" providerId="LiveId" clId="{9413CBD2-7B7F-4A0A-8D1B-ECED9EE8305F}" dt="2021-03-15T17:43:09.824" v="123" actId="207"/>
+          <ac:spMkLst>
+            <pc:docMk/>
+            <pc:sldMk cId="303541243" sldId="298"/>
+            <ac:spMk id="4" creationId="{E466234D-A5EB-4C64-B0E0-E195A59FA521}"/>
+          </ac:spMkLst>
+        </pc:spChg>
+      </pc:sldChg>
+    </pc:docChg>
   </pc:docChgLst>
 </pc:chgInfo>
 </file>
@@ -675,7 +994,7 @@
             <a:pPr rtl="0"/>
             <a:fld id="{6BFEDBB9-17B2-4B3E-927F-6A2C95FBF9DC}" type="datetime1">
               <a:rPr lang="pt-BR" smtClean="0"/>
-              <a:t>09/10/2019</a:t>
+              <a:t>15/03/2021</a:t>
             </a:fld>
             <a:endParaRPr lang="pt-BR" dirty="0"/>
           </a:p>
@@ -845,7 +1164,7 @@
             <a:pPr rtl="0"/>
             <a:fld id="{7CFDB409-DC9D-40CF-939D-973CAB3BAB25}" type="datetime1">
               <a:rPr lang="pt-BR" noProof="0" smtClean="0"/>
-              <a:t>09/10/2019</a:t>
+              <a:t>15/03/2021</a:t>
             </a:fld>
             <a:endParaRPr lang="pt-BR" noProof="0" dirty="0"/>
           </a:p>
@@ -1445,6 +1764,118 @@
           <a:bodyPr/>
           <a:lstStyle/>
           <a:p>
+            <a:r>
+              <a:rPr lang="pt-BR" dirty="0"/>
+              <a:t>Num e Id herdam uma </a:t>
+            </a:r>
+            <a:r>
+              <a:rPr lang="pt-BR" dirty="0" err="1"/>
+              <a:t>tag</a:t>
+            </a:r>
+            <a:r>
+              <a:rPr lang="pt-BR" dirty="0"/>
+              <a:t> da classe Token. A </a:t>
+            </a:r>
+            <a:r>
+              <a:rPr lang="pt-BR" dirty="0" err="1"/>
+              <a:t>tag</a:t>
+            </a:r>
+            <a:r>
+              <a:rPr lang="pt-BR" dirty="0"/>
+              <a:t> de Token será o código ASCII do caractere, as </a:t>
+            </a:r>
+            <a:r>
+              <a:rPr lang="pt-BR" dirty="0" err="1"/>
+              <a:t>tags</a:t>
+            </a:r>
+            <a:r>
+              <a:rPr lang="pt-BR" dirty="0"/>
+              <a:t> de Num e Id serão números fora da tabela ASCII.</a:t>
+            </a:r>
+          </a:p>
+        </p:txBody>
+      </p:sp>
+      <p:sp>
+        <p:nvSpPr>
+          <p:cNvPr id="4" name="Espaço Reservado para Número de Slide 3"/>
+          <p:cNvSpPr>
+            <a:spLocks noGrp="1"/>
+          </p:cNvSpPr>
+          <p:nvPr>
+            <p:ph type="sldNum" sz="quarter" idx="5"/>
+          </p:nvPr>
+        </p:nvSpPr>
+        <p:spPr/>
+        <p:txBody>
+          <a:bodyPr/>
+          <a:lstStyle/>
+          <a:p>
+            <a:pPr rtl="0"/>
+            <a:fld id="{F93199CD-3E1B-4AE6-990F-76F925F5EA9F}" type="slidenum">
+              <a:rPr lang="pt-BR" noProof="0" smtClean="0"/>
+              <a:t>19</a:t>
+            </a:fld>
+            <a:endParaRPr lang="pt-BR" noProof="0" dirty="0"/>
+          </a:p>
+        </p:txBody>
+      </p:sp>
+    </p:spTree>
+    <p:extLst>
+      <p:ext uri="{BB962C8B-B14F-4D97-AF65-F5344CB8AC3E}">
+        <p14:creationId xmlns:p14="http://schemas.microsoft.com/office/powerpoint/2010/main" val="3447124574"/>
+      </p:ext>
+    </p:extLst>
+  </p:cSld>
+  <p:clrMapOvr>
+    <a:masterClrMapping/>
+  </p:clrMapOvr>
+</p:notes>
+</file>
+
+<file path=ppt/notesSlides/notesSlide13.xml><?xml version="1.0" encoding="utf-8"?>
+<p:notes xmlns:a="http://schemas.openxmlformats.org/drawingml/2006/main" xmlns:r="http://schemas.openxmlformats.org/officeDocument/2006/relationships" xmlns:p="http://schemas.openxmlformats.org/presentationml/2006/main">
+  <p:cSld>
+    <p:spTree>
+      <p:nvGrpSpPr>
+        <p:cNvPr id="1" name=""/>
+        <p:cNvGrpSpPr/>
+        <p:nvPr/>
+      </p:nvGrpSpPr>
+      <p:grpSpPr>
+        <a:xfrm>
+          <a:off x="0" y="0"/>
+          <a:ext cx="0" cy="0"/>
+          <a:chOff x="0" y="0"/>
+          <a:chExt cx="0" cy="0"/>
+        </a:xfrm>
+      </p:grpSpPr>
+      <p:sp>
+        <p:nvSpPr>
+          <p:cNvPr id="2" name="Espaço Reservado para Imagem de Slide 1"/>
+          <p:cNvSpPr>
+            <a:spLocks noGrp="1" noRot="1" noChangeAspect="1"/>
+          </p:cNvSpPr>
+          <p:nvPr>
+            <p:ph type="sldImg"/>
+          </p:nvPr>
+        </p:nvSpPr>
+        <p:spPr/>
+      </p:sp>
+      <p:sp>
+        <p:nvSpPr>
+          <p:cNvPr id="3" name="Espaço Reservado para Anotações 2"/>
+          <p:cNvSpPr>
+            <a:spLocks noGrp="1"/>
+          </p:cNvSpPr>
+          <p:nvPr>
+            <p:ph type="body" idx="1"/>
+          </p:nvPr>
+        </p:nvSpPr>
+        <p:spPr/>
+        <p:txBody>
+          <a:bodyPr/>
+          <a:lstStyle/>
+          <a:p>
             <a:pPr marL="0" marR="0" lvl="0" indent="0" algn="l" defTabSz="914400" rtl="0" eaLnBrk="1" fontAlgn="auto" latinLnBrk="0" hangingPunct="1">
               <a:lnSpc>
                 <a:spcPct val="100000"/>
@@ -1517,7 +1948,7 @@
 </p:notes>
 </file>
 
-<file path=ppt/notesSlides/notesSlide13.xml><?xml version="1.0" encoding="utf-8"?>
+<file path=ppt/notesSlides/notesSlide14.xml><?xml version="1.0" encoding="utf-8"?>
 <p:notes xmlns:a="http://schemas.openxmlformats.org/drawingml/2006/main" xmlns:r="http://schemas.openxmlformats.org/officeDocument/2006/relationships" xmlns:p="http://schemas.openxmlformats.org/presentationml/2006/main">
   <p:cSld>
     <p:spTree>
@@ -1932,7 +2363,7 @@
           <a:p>
             <a:r>
               <a:rPr lang="pt-BR" dirty="0"/>
-              <a:t>A compreensão do porque </a:t>
+              <a:t>É importante colocar o espaço em </a:t>
             </a:r>
             <a:r>
               <a:rPr lang="pt-BR" dirty="0" err="1"/>
@@ -1940,7 +2371,7 @@
             </a:r>
             <a:r>
               <a:rPr lang="pt-BR" dirty="0"/>
-              <a:t> recebe um espaço em branco é um detalhe de implementação, e será melhor compreendido adiante.</a:t>
+              <a:t> para sinalizar para outras partes do código que uma leitura extra não foi necessária. Isso será melhor compreendido quando vermos a implementação do analisador.</a:t>
             </a:r>
           </a:p>
         </p:txBody>
@@ -2028,7 +2459,7 @@
           <a:p>
             <a:r>
               <a:rPr lang="pt-BR" dirty="0"/>
-              <a:t>A alternativa de modificar a gramática para considerar o espaço em branco não é tão fácil de implementar</a:t>
+              <a:t>A alternativa de modificar a gramática para considerar o espaço em branco resulta em uma implementação mais trabalhosa e menos eficiente</a:t>
             </a:r>
           </a:p>
         </p:txBody>
@@ -2293,15 +2724,7 @@
           <a:p>
             <a:r>
               <a:rPr lang="pt-BR" dirty="0"/>
-              <a:t>Valor inteiro de um dígito pode ser obtido pelo cálculo: </a:t>
-            </a:r>
-            <a:r>
-              <a:rPr lang="pt-BR" dirty="0" err="1"/>
-              <a:t>val</a:t>
-            </a:r>
-            <a:r>
-              <a:rPr lang="pt-BR" dirty="0"/>
-              <a:t> = </a:t>
+              <a:t>Valor inteiro de um dígito pode ser obtido pelo cálculo: val = </a:t>
             </a:r>
             <a:r>
               <a:rPr lang="pt-BR" dirty="0" err="1"/>
@@ -2847,7 +3270,7 @@
             <a:pPr rtl="0"/>
             <a:fld id="{7386073F-07CC-4F54-983C-A08F76E2B22C}" type="datetime1">
               <a:rPr lang="pt-BR" noProof="0" smtClean="0"/>
-              <a:t>09/10/2019</a:t>
+              <a:t>15/03/2021</a:t>
             </a:fld>
             <a:endParaRPr lang="pt-BR" noProof="0" dirty="0"/>
           </a:p>
@@ -3071,7 +3494,7 @@
             <a:pPr rtl="0"/>
             <a:fld id="{A09B9D17-E8D2-48F1-BB8E-8435624068C9}" type="datetime1">
               <a:rPr lang="pt-BR" noProof="0" smtClean="0"/>
-              <a:t>09/10/2019</a:t>
+              <a:t>15/03/2021</a:t>
             </a:fld>
             <a:endParaRPr lang="pt-BR" noProof="0" dirty="0"/>
           </a:p>
@@ -3359,7 +3782,7 @@
             <a:pPr rtl="0"/>
             <a:fld id="{3CC651F5-80DD-4CFE-BBBA-2C23591EF509}" type="datetime1">
               <a:rPr lang="pt-BR" noProof="0" smtClean="0"/>
-              <a:t>09/10/2019</a:t>
+              <a:t>15/03/2021</a:t>
             </a:fld>
             <a:endParaRPr lang="pt-BR" noProof="0" dirty="0"/>
           </a:p>
@@ -3689,7 +4112,7 @@
             <a:pPr rtl="0"/>
             <a:fld id="{E20F3F8A-A3F9-49EF-8A63-4F3E8648871C}" type="datetime1">
               <a:rPr lang="pt-BR" noProof="0" smtClean="0"/>
-              <a:t>09/10/2019</a:t>
+              <a:t>15/03/2021</a:t>
             </a:fld>
             <a:endParaRPr lang="pt-BR" noProof="0" dirty="0"/>
           </a:p>
@@ -4171,7 +4594,7 @@
             <a:pPr rtl="0"/>
             <a:fld id="{DEB5B092-D646-433C-8E29-1081397BD56B}" type="datetime1">
               <a:rPr lang="pt-BR" noProof="0" smtClean="0"/>
-              <a:t>09/10/2019</a:t>
+              <a:t>15/03/2021</a:t>
             </a:fld>
             <a:endParaRPr lang="pt-BR" noProof="0" dirty="0"/>
           </a:p>
@@ -4299,7 +4722,7 @@
             <a:pPr rtl="0"/>
             <a:fld id="{BB4CE6DC-A634-42A5-81DE-6C671B621413}" type="datetime1">
               <a:rPr lang="pt-BR" noProof="0" smtClean="0"/>
-              <a:t>09/10/2019</a:t>
+              <a:t>15/03/2021</a:t>
             </a:fld>
             <a:endParaRPr lang="pt-BR" noProof="0" dirty="0"/>
           </a:p>
@@ -4619,7 +5042,7 @@
             <a:pPr rtl="0"/>
             <a:fld id="{D2212A4E-660E-4296-8499-89CF1C51321A}" type="datetime1">
               <a:rPr lang="pt-BR" noProof="0" smtClean="0"/>
-              <a:t>09/10/2019</a:t>
+              <a:t>15/03/2021</a:t>
             </a:fld>
             <a:endParaRPr lang="pt-BR" noProof="0" dirty="0"/>
           </a:p>
@@ -4957,7 +5380,7 @@
             <a:pPr rtl="0"/>
             <a:fld id="{B1912D32-F3CE-450A-AE4E-30B99005B8FD}" type="datetime1">
               <a:rPr lang="pt-BR" noProof="0" smtClean="0"/>
-              <a:t>09/10/2019</a:t>
+              <a:t>15/03/2021</a:t>
             </a:fld>
             <a:endParaRPr lang="pt-BR" noProof="0" dirty="0"/>
           </a:p>
@@ -5155,7 +5578,7 @@
             <a:pPr rtl="0"/>
             <a:fld id="{7B7F50BC-2F98-4AAD-BE27-6A84E4E8AC1C}" type="datetime1">
               <a:rPr lang="pt-BR" noProof="0" smtClean="0"/>
-              <a:t>09/10/2019</a:t>
+              <a:t>15/03/2021</a:t>
             </a:fld>
             <a:endParaRPr lang="pt-BR" noProof="0" dirty="0"/>
           </a:p>
@@ -5406,7 +5829,7 @@
             <a:pPr rtl="0"/>
             <a:fld id="{BFCDB3FC-E508-4872-9DA3-DD0C1E84DD1A}" type="datetime1">
               <a:rPr lang="pt-BR" noProof="0" smtClean="0"/>
-              <a:t>09/10/2019</a:t>
+              <a:t>15/03/2021</a:t>
             </a:fld>
             <a:endParaRPr lang="pt-BR" noProof="0" dirty="0"/>
           </a:p>
@@ -6011,12 +6434,8 @@
               <a:t>tradutor </a:t>
             </a:r>
             <a:r>
-              <a:rPr lang="pt-BR" dirty="0" err="1"/>
-              <a:t>exergava</a:t>
-            </a:r>
-            <a:r>
-              <a:rPr lang="pt-BR" dirty="0"/>
-              <a:t> cada caractere da entrada</a:t>
+              <a:rPr lang="pt-BR" dirty="0"/>
+              <a:t>enxergava cada caractere da entrada</a:t>
             </a:r>
           </a:p>
           <a:p>
@@ -6351,7 +6770,7 @@
               <a:t>    </a:t>
             </a:r>
             <a:r>
-              <a:rPr lang="pt-BR" dirty="0" err="1">
+              <a:rPr lang="pt-BR" dirty="0">
                 <a:solidFill>
                   <a:schemeClr val="bg2">
                     <a:lumMod val="50000"/>
@@ -6360,10 +6779,42 @@
                 </a:solidFill>
                 <a:latin typeface="Consolas" panose="020B0609020204030204" pitchFamily="49" charset="0"/>
               </a:rPr>
-              <a:t>if</a:t>
-            </a:r>
-            <a:r>
-              <a:rPr lang="pt-BR" dirty="0">
+              <a:t>if </a:t>
+            </a:r>
+            <a:r>
+              <a:rPr lang="pt-BR" dirty="0">
+                <a:latin typeface="Consolas" panose="020B0609020204030204" pitchFamily="49" charset="0"/>
+              </a:rPr>
+              <a:t>(</a:t>
+            </a:r>
+            <a:r>
+              <a:rPr lang="pt-BR" i="1" dirty="0" err="1">
+                <a:latin typeface="Consolas" panose="020B0609020204030204" pitchFamily="49" charset="0"/>
+              </a:rPr>
+              <a:t>peek</a:t>
+            </a:r>
+            <a:r>
+              <a:rPr lang="pt-BR" dirty="0">
+                <a:latin typeface="Consolas" panose="020B0609020204030204" pitchFamily="49" charset="0"/>
+              </a:rPr>
+              <a:t> é espaço ou tabulação) não faz nada;</a:t>
+            </a:r>
+          </a:p>
+          <a:p>
+            <a:r>
+              <a:rPr lang="pt-BR" dirty="0">
+                <a:solidFill>
+                  <a:schemeClr val="bg1">
+                    <a:lumMod val="50000"/>
+                    <a:lumOff val="50000"/>
+                  </a:schemeClr>
+                </a:solidFill>
+                <a:latin typeface="Consolas" panose="020B0609020204030204" pitchFamily="49" charset="0"/>
+              </a:rPr>
+              <a:t>    </a:t>
+            </a:r>
+            <a:r>
+              <a:rPr lang="pt-BR" dirty="0" err="1">
                 <a:solidFill>
                   <a:schemeClr val="bg2">
                     <a:lumMod val="50000"/>
@@ -6372,42 +6823,10 @@
                 </a:solidFill>
                 <a:latin typeface="Consolas" panose="020B0609020204030204" pitchFamily="49" charset="0"/>
               </a:rPr>
-              <a:t> </a:t>
-            </a:r>
-            <a:r>
-              <a:rPr lang="pt-BR" dirty="0">
-                <a:latin typeface="Consolas" panose="020B0609020204030204" pitchFamily="49" charset="0"/>
-              </a:rPr>
-              <a:t>(</a:t>
-            </a:r>
-            <a:r>
-              <a:rPr lang="pt-BR" i="1" dirty="0" err="1">
-                <a:latin typeface="Consolas" panose="020B0609020204030204" pitchFamily="49" charset="0"/>
-              </a:rPr>
-              <a:t>peek</a:t>
-            </a:r>
-            <a:r>
-              <a:rPr lang="pt-BR" dirty="0">
-                <a:latin typeface="Consolas" panose="020B0609020204030204" pitchFamily="49" charset="0"/>
-              </a:rPr>
-              <a:t> é espaço ou tabulação) não faz nada;</a:t>
-            </a:r>
-          </a:p>
-          <a:p>
-            <a:r>
-              <a:rPr lang="pt-BR" dirty="0">
-                <a:solidFill>
-                  <a:schemeClr val="bg1">
-                    <a:lumMod val="50000"/>
-                    <a:lumOff val="50000"/>
-                  </a:schemeClr>
-                </a:solidFill>
-                <a:latin typeface="Consolas" panose="020B0609020204030204" pitchFamily="49" charset="0"/>
-              </a:rPr>
-              <a:t>    </a:t>
-            </a:r>
-            <a:r>
-              <a:rPr lang="pt-BR" dirty="0" err="1">
+              <a:t>else</a:t>
+            </a:r>
+            <a:r>
+              <a:rPr lang="pt-BR" dirty="0">
                 <a:solidFill>
                   <a:schemeClr val="bg2">
                     <a:lumMod val="50000"/>
@@ -6416,43 +6835,7 @@
                 </a:solidFill>
                 <a:latin typeface="Consolas" panose="020B0609020204030204" pitchFamily="49" charset="0"/>
               </a:rPr>
-              <a:t>else</a:t>
-            </a:r>
-            <a:r>
-              <a:rPr lang="pt-BR" dirty="0">
-                <a:solidFill>
-                  <a:schemeClr val="bg2">
-                    <a:lumMod val="50000"/>
-                    <a:lumOff val="50000"/>
-                  </a:schemeClr>
-                </a:solidFill>
-                <a:latin typeface="Consolas" panose="020B0609020204030204" pitchFamily="49" charset="0"/>
-              </a:rPr>
-              <a:t> </a:t>
-            </a:r>
-            <a:r>
-              <a:rPr lang="pt-BR" dirty="0" err="1">
-                <a:solidFill>
-                  <a:schemeClr val="bg2">
-                    <a:lumMod val="50000"/>
-                    <a:lumOff val="50000"/>
-                  </a:schemeClr>
-                </a:solidFill>
-                <a:latin typeface="Consolas" panose="020B0609020204030204" pitchFamily="49" charset="0"/>
-              </a:rPr>
-              <a:t>if</a:t>
-            </a:r>
-            <a:r>
-              <a:rPr lang="pt-BR" dirty="0">
-                <a:solidFill>
-                  <a:schemeClr val="bg2">
-                    <a:lumMod val="50000"/>
-                    <a:lumOff val="50000"/>
-                  </a:schemeClr>
-                </a:solidFill>
-                <a:latin typeface="Consolas" panose="020B0609020204030204" pitchFamily="49" charset="0"/>
-              </a:rPr>
-              <a:t> </a:t>
+              <a:t> if </a:t>
             </a:r>
             <a:r>
               <a:rPr lang="pt-BR" dirty="0">
@@ -7030,7 +7413,7 @@
           <a:lstStyle/>
           <a:p>
             <a:r>
-              <a:rPr lang="pt-BR" sz="1400" dirty="0" err="1">
+              <a:rPr lang="pt-BR" sz="1400" dirty="0">
                 <a:solidFill>
                   <a:schemeClr val="bg2">
                     <a:lumMod val="50000"/>
@@ -7182,7 +7565,7 @@
               <a:t>    </a:t>
             </a:r>
             <a:r>
-              <a:rPr lang="pt-BR" sz="1400" dirty="0" err="1">
+              <a:rPr lang="pt-BR" sz="1400" dirty="0">
                 <a:solidFill>
                   <a:schemeClr val="bg2">
                     <a:lumMod val="50000"/>
@@ -7412,7 +7795,7 @@
               <a:t>, </a:t>
             </a:r>
             <a:r>
-              <a:rPr lang="pt-BR" sz="1800" b="1" dirty="0" err="1">
+              <a:rPr lang="pt-BR" sz="1800" b="1" dirty="0">
                 <a:solidFill>
                   <a:srgbClr val="FF4343"/>
                 </a:solidFill>
@@ -7431,23 +7814,14 @@
                 </a:solidFill>
                 <a:latin typeface="Consolas" panose="020B0609020204030204" pitchFamily="49" charset="0"/>
               </a:rPr>
-              <a:t>do-</a:t>
-            </a:r>
-            <a:r>
-              <a:rPr lang="pt-BR" sz="1800" b="1" dirty="0" err="1">
-                <a:solidFill>
-                  <a:srgbClr val="FF4343"/>
-                </a:solidFill>
-                <a:latin typeface="Consolas" panose="020B0609020204030204" pitchFamily="49" charset="0"/>
-              </a:rPr>
-              <a:t>while</a:t>
+              <a:t>do-while</a:t>
             </a:r>
             <a:r>
               <a:rPr lang="pt-BR" sz="1800" dirty="0"/>
               <a:t>, </a:t>
             </a:r>
             <a:r>
-              <a:rPr lang="pt-BR" sz="1800" b="1" dirty="0" err="1">
+              <a:rPr lang="pt-BR" sz="1800" b="1" dirty="0">
                 <a:solidFill>
                   <a:srgbClr val="FF4343"/>
                 </a:solidFill>
@@ -7528,7 +7902,7 @@
         <p:spPr>
           <a:xfrm>
             <a:off x="1485900" y="4725144"/>
-            <a:ext cx="7909538" cy="923330"/>
+            <a:ext cx="5630067" cy="923330"/>
           </a:xfrm>
           <a:prstGeom prst="rect">
             <a:avLst/>
@@ -7545,7 +7919,7 @@
               <a:rPr lang="pt-BR" dirty="0">
                 <a:latin typeface="Consolas" panose="020B0609020204030204" pitchFamily="49" charset="0"/>
               </a:rPr>
-              <a:t>contador = contador + incremento;</a:t>
+              <a:t>cont = cont + 1;</a:t>
             </a:r>
             <a:br>
               <a:rPr lang="pt-BR" dirty="0">
@@ -7585,7 +7959,7 @@
                 </a:solidFill>
                 <a:latin typeface="Consolas" panose="020B0609020204030204" pitchFamily="49" charset="0"/>
               </a:rPr>
-              <a:t>"contador</a:t>
+              <a:t>"cont</a:t>
             </a:r>
             <a:r>
               <a:rPr lang="pt-BR" dirty="0">
@@ -7639,7 +8013,7 @@
                 </a:solidFill>
                 <a:latin typeface="Consolas" panose="020B0609020204030204" pitchFamily="49" charset="0"/>
               </a:rPr>
-              <a:t>"contador</a:t>
+              <a:t>"cont</a:t>
             </a:r>
             <a:r>
               <a:rPr lang="pt-BR" dirty="0">
@@ -7672,43 +8046,19 @@
               <a:t>&gt; &lt;</a:t>
             </a:r>
             <a:r>
-              <a:rPr lang="pt-BR" b="1" dirty="0" err="1">
+              <a:rPr lang="pt-BR" b="1" dirty="0">
                 <a:solidFill>
                   <a:srgbClr val="FF4343"/>
                 </a:solidFill>
                 <a:latin typeface="Consolas" panose="020B0609020204030204" pitchFamily="49" charset="0"/>
               </a:rPr>
-              <a:t>id</a:t>
-            </a:r>
-            <a:r>
-              <a:rPr lang="pt-BR" dirty="0" err="1">
-                <a:latin typeface="Consolas" panose="020B0609020204030204" pitchFamily="49" charset="0"/>
-              </a:rPr>
-              <a:t>,</a:t>
-            </a:r>
-            <a:r>
-              <a:rPr lang="pt-BR" dirty="0" err="1">
-                <a:solidFill>
-                  <a:srgbClr val="FF7575"/>
-                </a:solidFill>
-                <a:latin typeface="Consolas" panose="020B0609020204030204" pitchFamily="49" charset="0"/>
-              </a:rPr>
-              <a:t>"incremento</a:t>
-            </a:r>
-            <a:r>
-              <a:rPr lang="pt-BR" dirty="0">
-                <a:solidFill>
-                  <a:srgbClr val="FF7575"/>
-                </a:solidFill>
-                <a:latin typeface="Consolas" panose="020B0609020204030204" pitchFamily="49" charset="0"/>
-              </a:rPr>
-              <a:t>"</a:t>
-            </a:r>
-            <a:r>
-              <a:rPr lang="pt-BR" dirty="0">
-                <a:latin typeface="Consolas" panose="020B0609020204030204" pitchFamily="49" charset="0"/>
-              </a:rPr>
-              <a:t>&gt; &lt;</a:t>
+              <a:t>num</a:t>
+            </a:r>
+            <a:r>
+              <a:rPr lang="pt-BR" dirty="0">
+                <a:latin typeface="Consolas" panose="020B0609020204030204" pitchFamily="49" charset="0"/>
+              </a:rPr>
+              <a:t>,1&gt; &lt;</a:t>
             </a:r>
             <a:r>
               <a:rPr lang="pt-BR" dirty="0">
@@ -8076,7 +8426,14 @@
             </a:r>
             <a:r>
               <a:rPr lang="pt-BR" dirty="0"/>
-              <a:t>para armazenar </a:t>
+              <a:t>para </a:t>
+            </a:r>
+            <a:br>
+              <a:rPr lang="pt-BR" dirty="0"/>
+            </a:br>
+            <a:r>
+              <a:rPr lang="pt-BR" dirty="0"/>
+              <a:t>armazenar </a:t>
             </a:r>
             <a:r>
               <a:rPr lang="pt-BR" dirty="0">
@@ -8100,7 +8457,7 @@
             <a:pPr lvl="2"/>
             <a:r>
               <a:rPr lang="pt-BR" dirty="0"/>
-              <a:t>Isola o resto do compilador da representação em "sequência de caracteres"</a:t>
+              <a:t>Isola a representação em "sequência de caracteres"</a:t>
             </a:r>
           </a:p>
           <a:p>
@@ -8117,20 +8474,9 @@
                   </a:schemeClr>
                 </a:solidFill>
               </a:rPr>
-              <a:t>referências ou apontadores</a:t>
-            </a:r>
-            <a:r>
-              <a:rPr lang="pt-BR" dirty="0"/>
-              <a:t> para a tabela</a:t>
-            </a:r>
-          </a:p>
-          <a:p>
-            <a:pPr lvl="2"/>
-            <a:r>
-              <a:rPr lang="pt-BR" dirty="0"/>
-              <a:t>As palavras reservadas podem ser implementadas </a:t>
-            </a:r>
-            <a:r>
+              <a:t>referências </a:t>
+            </a:r>
+            <a:br>
               <a:rPr lang="pt-BR" dirty="0">
                 <a:solidFill>
                   <a:schemeClr val="accent1">
@@ -8138,12 +8484,7 @@
                   </a:schemeClr>
                 </a:solidFill>
               </a:rPr>
-              <a:t>inicializando a tabela</a:t>
-            </a:r>
-            <a:r>
-              <a:rPr lang="pt-BR" dirty="0"/>
-              <a:t> com as </a:t>
-            </a:r>
+            </a:br>
             <a:r>
               <a:rPr lang="pt-BR" dirty="0">
                 <a:solidFill>
@@ -8152,23 +8493,75 @@
                   </a:schemeClr>
                 </a:solidFill>
               </a:rPr>
-              <a:t>sequências de caracteres reservadas </a:t>
-            </a:r>
-            <a:r>
-              <a:rPr lang="pt-BR" dirty="0"/>
-              <a:t>e seus </a:t>
-            </a:r>
-            <a:r>
-              <a:rPr lang="pt-BR" dirty="0" err="1"/>
-              <a:t>tokens</a:t>
-            </a:r>
-            <a:endParaRPr lang="pt-BR" dirty="0"/>
+              <a:t>ou apontadores</a:t>
+            </a:r>
+            <a:r>
+              <a:rPr lang="pt-BR" dirty="0"/>
+              <a:t> para a tabela</a:t>
+            </a:r>
+          </a:p>
+          <a:p>
+            <a:pPr lvl="2"/>
+            <a:r>
+              <a:rPr lang="pt-BR" dirty="0"/>
+              <a:t>As palavras reservadas podem ser implementadas </a:t>
+            </a:r>
+            <a:br>
+              <a:rPr lang="pt-BR" dirty="0"/>
+            </a:br>
+            <a:r>
+              <a:rPr lang="pt-BR" dirty="0">
+                <a:solidFill>
+                  <a:schemeClr val="accent1">
+                    <a:lumMod val="75000"/>
+                  </a:schemeClr>
+                </a:solidFill>
+              </a:rPr>
+              <a:t>inicializando a tabela</a:t>
+            </a:r>
+            <a:r>
+              <a:rPr lang="pt-BR" dirty="0"/>
+              <a:t> com as </a:t>
+            </a:r>
+            <a:r>
+              <a:rPr lang="pt-BR" dirty="0">
+                <a:solidFill>
+                  <a:schemeClr val="accent1">
+                    <a:lumMod val="75000"/>
+                  </a:schemeClr>
+                </a:solidFill>
+              </a:rPr>
+              <a:t>sequências de </a:t>
+            </a:r>
+            <a:br>
+              <a:rPr lang="pt-BR" dirty="0">
+                <a:solidFill>
+                  <a:schemeClr val="accent1">
+                    <a:lumMod val="75000"/>
+                  </a:schemeClr>
+                </a:solidFill>
+              </a:rPr>
+            </a:br>
+            <a:r>
+              <a:rPr lang="pt-BR" dirty="0">
+                <a:solidFill>
+                  <a:schemeClr val="accent1">
+                    <a:lumMod val="75000"/>
+                  </a:schemeClr>
+                </a:solidFill>
+              </a:rPr>
+              <a:t>caracteres reservadas </a:t>
+            </a:r>
+            <a:r>
+              <a:rPr lang="pt-BR" dirty="0"/>
+              <a:t>e seus tokens</a:t>
+            </a:r>
           </a:p>
           <a:p>
             <a:pPr lvl="1"/>
             <a:r>
               <a:rPr lang="pt-BR" dirty="0"/>
-              <a:t>Essa tabela pode ser implementada por uma </a:t>
+              <a:t>Essa tabela pode ser uma </a:t>
             </a:r>
             <a:r>
               <a:rPr lang="pt-BR" i="1" dirty="0" err="1"/>
@@ -8204,8 +8597,8 @@
         </p:nvSpPr>
         <p:spPr>
           <a:xfrm>
-            <a:off x="1989956" y="5229200"/>
-            <a:ext cx="4743606" cy="369332"/>
+            <a:off x="8815468" y="4888853"/>
+            <a:ext cx="2694792" cy="830997"/>
           </a:xfrm>
           <a:prstGeom prst="rect">
             <a:avLst/>
@@ -8213,13 +8606,26 @@
           <a:noFill/>
         </p:spPr>
         <p:txBody>
-          <a:bodyPr wrap="none" rtlCol="0">
+          <a:bodyPr wrap="square" rtlCol="0">
             <a:spAutoFit/>
           </a:bodyPr>
           <a:lstStyle/>
           <a:p>
-            <a:r>
-              <a:rPr lang="pt-BR" dirty="0" err="1">
+            <a:pPr algn="ctr"/>
+            <a:r>
+              <a:rPr lang="pt-BR" sz="1600" dirty="0">
+                <a:solidFill>
+                  <a:schemeClr val="accent1">
+                    <a:lumMod val="60000"/>
+                    <a:lumOff val="40000"/>
+                  </a:schemeClr>
+                </a:solidFill>
+                <a:latin typeface="Consolas" panose="020B0609020204030204" pitchFamily="49" charset="0"/>
+              </a:rPr>
+              <a:t>unordered_map</a:t>
+            </a:r>
+            <a:r>
+              <a:rPr lang="pt-BR" sz="1600" dirty="0">
                 <a:solidFill>
                   <a:schemeClr val="accent1">
                     <a:lumMod val="40000"/>
@@ -8228,28 +8634,16 @@
                 </a:solidFill>
                 <a:latin typeface="Consolas" panose="020B0609020204030204" pitchFamily="49" charset="0"/>
               </a:rPr>
-              <a:t>unordered_map</a:t>
-            </a:r>
-            <a:r>
-              <a:rPr lang="pt-BR" dirty="0">
-                <a:solidFill>
-                  <a:schemeClr val="accent1">
-                    <a:lumMod val="40000"/>
-                    <a:lumOff val="60000"/>
-                  </a:schemeClr>
-                </a:solidFill>
-                <a:latin typeface="Consolas" panose="020B0609020204030204" pitchFamily="49" charset="0"/>
-              </a:rPr>
               <a:t> </a:t>
             </a:r>
             <a:r>
-              <a:rPr lang="pt-BR" dirty="0">
+              <a:rPr lang="pt-BR" sz="1600" dirty="0">
                 <a:latin typeface="Consolas" panose="020B0609020204030204" pitchFamily="49" charset="0"/>
               </a:rPr>
               <a:t>&lt;</a:t>
             </a:r>
             <a:r>
-              <a:rPr lang="pt-BR" dirty="0" err="1">
+              <a:rPr lang="pt-BR" sz="1600" dirty="0">
                 <a:solidFill>
                   <a:schemeClr val="bg2">
                     <a:lumMod val="50000"/>
@@ -8258,34 +8652,34 @@
                 </a:solidFill>
                 <a:latin typeface="Consolas" panose="020B0609020204030204" pitchFamily="49" charset="0"/>
               </a:rPr>
-              <a:t>strings</a:t>
-            </a:r>
-            <a:r>
-              <a:rPr lang="pt-BR" dirty="0" err="1">
+              <a:t>string</a:t>
+            </a:r>
+            <a:r>
+              <a:rPr lang="pt-BR" sz="1600" dirty="0">
                 <a:latin typeface="Consolas" panose="020B0609020204030204" pitchFamily="49" charset="0"/>
               </a:rPr>
               <a:t>,</a:t>
             </a:r>
             <a:r>
-              <a:rPr lang="pt-BR" dirty="0" err="1">
+              <a:rPr lang="pt-BR" sz="1600" dirty="0">
                 <a:solidFill>
                   <a:schemeClr val="accent1">
-                    <a:lumMod val="40000"/>
-                    <a:lumOff val="60000"/>
+                    <a:lumMod val="60000"/>
+                    <a:lumOff val="40000"/>
                   </a:schemeClr>
                 </a:solidFill>
                 <a:latin typeface="Consolas" panose="020B0609020204030204" pitchFamily="49" charset="0"/>
               </a:rPr>
-              <a:t>Id</a:t>
-            </a:r>
-            <a:r>
-              <a:rPr lang="pt-BR" dirty="0">
+              <a:t>token</a:t>
+            </a:r>
+            <a:r>
+              <a:rPr lang="pt-BR" sz="1600" dirty="0">
                 <a:latin typeface="Consolas" panose="020B0609020204030204" pitchFamily="49" charset="0"/>
               </a:rPr>
               <a:t>&gt;</a:t>
             </a:r>
             <a:r>
-              <a:rPr lang="pt-BR" dirty="0">
+              <a:rPr lang="pt-BR" sz="1600" dirty="0">
                 <a:solidFill>
                   <a:schemeClr val="bg2">
                     <a:lumMod val="50000"/>
@@ -8296,14 +8690,25 @@
               </a:rPr>
               <a:t> </a:t>
             </a:r>
-            <a:r>
-              <a:rPr lang="pt-BR" dirty="0" err="1">
+            <a:br>
+              <a:rPr lang="pt-BR" sz="1600" dirty="0">
+                <a:solidFill>
+                  <a:schemeClr val="bg2">
+                    <a:lumMod val="50000"/>
+                    <a:lumOff val="50000"/>
+                  </a:schemeClr>
+                </a:solidFill>
+                <a:latin typeface="Consolas" panose="020B0609020204030204" pitchFamily="49" charset="0"/>
+              </a:rPr>
+            </a:br>
+            <a:r>
+              <a:rPr lang="pt-BR" sz="1600" dirty="0" err="1">
                 <a:latin typeface="Consolas" panose="020B0609020204030204" pitchFamily="49" charset="0"/>
               </a:rPr>
               <a:t>id_table</a:t>
             </a:r>
             <a:r>
-              <a:rPr lang="pt-BR" dirty="0">
+              <a:rPr lang="pt-BR" sz="1600" dirty="0">
                 <a:latin typeface="Consolas" panose="020B0609020204030204" pitchFamily="49" charset="0"/>
               </a:rPr>
               <a:t>;</a:t>
@@ -8311,6 +8716,848 @@
           </a:p>
         </p:txBody>
       </p:sp>
+      <p:graphicFrame>
+        <p:nvGraphicFramePr>
+          <p:cNvPr id="5" name="Tabela 5">
+            <a:extLst>
+              <a:ext uri="{FF2B5EF4-FFF2-40B4-BE49-F238E27FC236}">
+                <a16:creationId xmlns:a16="http://schemas.microsoft.com/office/drawing/2014/main" id="{B6FC11E9-8A94-438B-B485-253F68F77824}"/>
+              </a:ext>
+            </a:extLst>
+          </p:cNvPr>
+          <p:cNvGraphicFramePr>
+            <a:graphicFrameLocks noGrp="1"/>
+          </p:cNvGraphicFramePr>
+          <p:nvPr>
+            <p:extLst>
+              <p:ext uri="{D42A27DB-BD31-4B8C-83A1-F6EECF244321}">
+                <p14:modId xmlns:p14="http://schemas.microsoft.com/office/powerpoint/2010/main" val="2448900948"/>
+              </p:ext>
+            </p:extLst>
+          </p:nvPr>
+        </p:nvGraphicFramePr>
+        <p:xfrm>
+          <a:off x="8974732" y="2516499"/>
+          <a:ext cx="2376264" cy="2225040"/>
+        </p:xfrm>
+        <a:graphic>
+          <a:graphicData uri="http://schemas.openxmlformats.org/drawingml/2006/table">
+            <a:tbl>
+              <a:tblPr firstRow="1" bandRow="1">
+                <a:tableStyleId>{5C22544A-7EE6-4342-B048-85BDC9FD1C3A}</a:tableStyleId>
+              </a:tblPr>
+              <a:tblGrid>
+                <a:gridCol w="1188132">
+                  <a:extLst>
+                    <a:ext uri="{9D8B030D-6E8A-4147-A177-3AD203B41FA5}">
+                      <a16:colId xmlns:a16="http://schemas.microsoft.com/office/drawing/2014/main" val="1032060179"/>
+                    </a:ext>
+                  </a:extLst>
+                </a:gridCol>
+                <a:gridCol w="1188132">
+                  <a:extLst>
+                    <a:ext uri="{9D8B030D-6E8A-4147-A177-3AD203B41FA5}">
+                      <a16:colId xmlns:a16="http://schemas.microsoft.com/office/drawing/2014/main" val="3056646345"/>
+                    </a:ext>
+                  </a:extLst>
+                </a:gridCol>
+              </a:tblGrid>
+              <a:tr h="370840">
+                <a:tc>
+                  <a:txBody>
+                    <a:bodyPr/>
+                    <a:lstStyle/>
+                    <a:p>
+                      <a:pPr algn="ctr"/>
+                      <a:r>
+                        <a:rPr lang="pt-BR" sz="1600" dirty="0">
+                          <a:solidFill>
+                            <a:schemeClr val="accent1">
+                              <a:lumMod val="50000"/>
+                            </a:schemeClr>
+                          </a:solidFill>
+                        </a:rPr>
+                        <a:t>string</a:t>
+                      </a:r>
+                    </a:p>
+                  </a:txBody>
+                  <a:tcPr>
+                    <a:lnL w="12700" cap="flat" cmpd="sng" algn="ctr">
+                      <a:solidFill>
+                        <a:schemeClr val="bg1"/>
+                      </a:solidFill>
+                      <a:prstDash val="solid"/>
+                      <a:round/>
+                      <a:headEnd type="none" w="med" len="med"/>
+                      <a:tailEnd type="none" w="med" len="med"/>
+                    </a:lnL>
+                    <a:lnR w="12700" cap="flat" cmpd="sng" algn="ctr">
+                      <a:solidFill>
+                        <a:schemeClr val="bg1"/>
+                      </a:solidFill>
+                      <a:prstDash val="solid"/>
+                      <a:round/>
+                      <a:headEnd type="none" w="med" len="med"/>
+                      <a:tailEnd type="none" w="med" len="med"/>
+                    </a:lnR>
+                    <a:lnT w="12700" cap="flat" cmpd="sng" algn="ctr">
+                      <a:solidFill>
+                        <a:schemeClr val="bg1"/>
+                      </a:solidFill>
+                      <a:prstDash val="solid"/>
+                      <a:round/>
+                      <a:headEnd type="none" w="med" len="med"/>
+                      <a:tailEnd type="none" w="med" len="med"/>
+                    </a:lnT>
+                    <a:lnB w="12700" cap="flat" cmpd="sng" algn="ctr">
+                      <a:solidFill>
+                        <a:schemeClr val="bg1"/>
+                      </a:solidFill>
+                      <a:prstDash val="solid"/>
+                      <a:round/>
+                      <a:headEnd type="none" w="med" len="med"/>
+                      <a:tailEnd type="none" w="med" len="med"/>
+                    </a:lnB>
+                  </a:tcPr>
+                </a:tc>
+                <a:tc>
+                  <a:txBody>
+                    <a:bodyPr/>
+                    <a:lstStyle/>
+                    <a:p>
+                      <a:pPr algn="ctr"/>
+                      <a:r>
+                        <a:rPr lang="pt-BR" sz="1600" dirty="0">
+                          <a:solidFill>
+                            <a:schemeClr val="accent1">
+                              <a:lumMod val="50000"/>
+                            </a:schemeClr>
+                          </a:solidFill>
+                        </a:rPr>
+                        <a:t>token</a:t>
+                      </a:r>
+                    </a:p>
+                  </a:txBody>
+                  <a:tcPr>
+                    <a:lnL w="12700" cap="flat" cmpd="sng" algn="ctr">
+                      <a:solidFill>
+                        <a:schemeClr val="bg1"/>
+                      </a:solidFill>
+                      <a:prstDash val="solid"/>
+                      <a:round/>
+                      <a:headEnd type="none" w="med" len="med"/>
+                      <a:tailEnd type="none" w="med" len="med"/>
+                    </a:lnL>
+                    <a:lnR w="12700" cap="flat" cmpd="sng" algn="ctr">
+                      <a:solidFill>
+                        <a:schemeClr val="bg1"/>
+                      </a:solidFill>
+                      <a:prstDash val="solid"/>
+                      <a:round/>
+                      <a:headEnd type="none" w="med" len="med"/>
+                      <a:tailEnd type="none" w="med" len="med"/>
+                    </a:lnR>
+                    <a:lnT w="12700" cap="flat" cmpd="sng" algn="ctr">
+                      <a:solidFill>
+                        <a:schemeClr val="bg1"/>
+                      </a:solidFill>
+                      <a:prstDash val="solid"/>
+                      <a:round/>
+                      <a:headEnd type="none" w="med" len="med"/>
+                      <a:tailEnd type="none" w="med" len="med"/>
+                    </a:lnT>
+                    <a:lnB w="12700" cap="flat" cmpd="sng" algn="ctr">
+                      <a:solidFill>
+                        <a:schemeClr val="bg1"/>
+                      </a:solidFill>
+                      <a:prstDash val="solid"/>
+                      <a:round/>
+                      <a:headEnd type="none" w="med" len="med"/>
+                      <a:tailEnd type="none" w="med" len="med"/>
+                    </a:lnB>
+                  </a:tcPr>
+                </a:tc>
+                <a:extLst>
+                  <a:ext uri="{0D108BD9-81ED-4DB2-BD59-A6C34878D82A}">
+                    <a16:rowId xmlns:a16="http://schemas.microsoft.com/office/drawing/2014/main" val="702293932"/>
+                  </a:ext>
+                </a:extLst>
+              </a:tr>
+              <a:tr h="370840">
+                <a:tc>
+                  <a:txBody>
+                    <a:bodyPr/>
+                    <a:lstStyle/>
+                    <a:p>
+                      <a:pPr algn="ctr"/>
+                      <a:r>
+                        <a:rPr lang="pt-BR" sz="1600" dirty="0">
+                          <a:solidFill>
+                            <a:schemeClr val="accent1">
+                              <a:lumMod val="50000"/>
+                            </a:schemeClr>
+                          </a:solidFill>
+                          <a:latin typeface="Consolas" panose="020B0609020204030204" pitchFamily="49" charset="0"/>
+                        </a:rPr>
+                        <a:t>"if"</a:t>
+                      </a:r>
+                    </a:p>
+                  </a:txBody>
+                  <a:tcPr>
+                    <a:lnL w="12700" cap="flat" cmpd="sng" algn="ctr">
+                      <a:solidFill>
+                        <a:schemeClr val="bg1"/>
+                      </a:solidFill>
+                      <a:prstDash val="solid"/>
+                      <a:round/>
+                      <a:headEnd type="none" w="med" len="med"/>
+                      <a:tailEnd type="none" w="med" len="med"/>
+                    </a:lnL>
+                    <a:lnR w="12700" cap="flat" cmpd="sng" algn="ctr">
+                      <a:solidFill>
+                        <a:schemeClr val="bg1"/>
+                      </a:solidFill>
+                      <a:prstDash val="solid"/>
+                      <a:round/>
+                      <a:headEnd type="none" w="med" len="med"/>
+                      <a:tailEnd type="none" w="med" len="med"/>
+                    </a:lnR>
+                    <a:lnT w="12700" cap="flat" cmpd="sng" algn="ctr">
+                      <a:solidFill>
+                        <a:schemeClr val="bg1"/>
+                      </a:solidFill>
+                      <a:prstDash val="solid"/>
+                      <a:round/>
+                      <a:headEnd type="none" w="med" len="med"/>
+                      <a:tailEnd type="none" w="med" len="med"/>
+                    </a:lnT>
+                    <a:lnB w="12700" cap="flat" cmpd="sng" algn="ctr">
+                      <a:solidFill>
+                        <a:schemeClr val="bg1"/>
+                      </a:solidFill>
+                      <a:prstDash val="solid"/>
+                      <a:round/>
+                      <a:headEnd type="none" w="med" len="med"/>
+                      <a:tailEnd type="none" w="med" len="med"/>
+                    </a:lnB>
+                    <a:solidFill>
+                      <a:schemeClr val="tx2">
+                        <a:lumMod val="40000"/>
+                        <a:lumOff val="60000"/>
+                      </a:schemeClr>
+                    </a:solidFill>
+                  </a:tcPr>
+                </a:tc>
+                <a:tc>
+                  <a:txBody>
+                    <a:bodyPr/>
+                    <a:lstStyle/>
+                    <a:p>
+                      <a:pPr algn="ctr"/>
+                      <a:r>
+                        <a:rPr lang="pt-BR" sz="1600" dirty="0">
+                          <a:solidFill>
+                            <a:schemeClr val="accent1">
+                              <a:lumMod val="50000"/>
+                            </a:schemeClr>
+                          </a:solidFill>
+                          <a:latin typeface="Consolas" panose="020B0609020204030204" pitchFamily="49" charset="0"/>
+                        </a:rPr>
+                        <a:t>&lt;if&gt;</a:t>
+                      </a:r>
+                    </a:p>
+                  </a:txBody>
+                  <a:tcPr>
+                    <a:lnL w="12700" cap="flat" cmpd="sng" algn="ctr">
+                      <a:solidFill>
+                        <a:schemeClr val="bg1"/>
+                      </a:solidFill>
+                      <a:prstDash val="solid"/>
+                      <a:round/>
+                      <a:headEnd type="none" w="med" len="med"/>
+                      <a:tailEnd type="none" w="med" len="med"/>
+                    </a:lnL>
+                    <a:lnR w="12700" cap="flat" cmpd="sng" algn="ctr">
+                      <a:solidFill>
+                        <a:schemeClr val="bg1"/>
+                      </a:solidFill>
+                      <a:prstDash val="solid"/>
+                      <a:round/>
+                      <a:headEnd type="none" w="med" len="med"/>
+                      <a:tailEnd type="none" w="med" len="med"/>
+                    </a:lnR>
+                    <a:lnT w="12700" cap="flat" cmpd="sng" algn="ctr">
+                      <a:solidFill>
+                        <a:schemeClr val="bg1"/>
+                      </a:solidFill>
+                      <a:prstDash val="solid"/>
+                      <a:round/>
+                      <a:headEnd type="none" w="med" len="med"/>
+                      <a:tailEnd type="none" w="med" len="med"/>
+                    </a:lnT>
+                    <a:lnB w="12700" cap="flat" cmpd="sng" algn="ctr">
+                      <a:solidFill>
+                        <a:schemeClr val="bg1"/>
+                      </a:solidFill>
+                      <a:prstDash val="solid"/>
+                      <a:round/>
+                      <a:headEnd type="none" w="med" len="med"/>
+                      <a:tailEnd type="none" w="med" len="med"/>
+                    </a:lnB>
+                    <a:solidFill>
+                      <a:schemeClr val="tx2">
+                        <a:lumMod val="40000"/>
+                        <a:lumOff val="60000"/>
+                      </a:schemeClr>
+                    </a:solidFill>
+                  </a:tcPr>
+                </a:tc>
+                <a:extLst>
+                  <a:ext uri="{0D108BD9-81ED-4DB2-BD59-A6C34878D82A}">
+                    <a16:rowId xmlns:a16="http://schemas.microsoft.com/office/drawing/2014/main" val="3127106741"/>
+                  </a:ext>
+                </a:extLst>
+              </a:tr>
+              <a:tr h="370840">
+                <a:tc>
+                  <a:txBody>
+                    <a:bodyPr/>
+                    <a:lstStyle/>
+                    <a:p>
+                      <a:pPr algn="ctr"/>
+                      <a:r>
+                        <a:rPr lang="pt-BR" sz="1600" dirty="0">
+                          <a:solidFill>
+                            <a:schemeClr val="accent1">
+                              <a:lumMod val="50000"/>
+                            </a:schemeClr>
+                          </a:solidFill>
+                          <a:latin typeface="Consolas" panose="020B0609020204030204" pitchFamily="49" charset="0"/>
+                        </a:rPr>
+                        <a:t>"while"</a:t>
+                      </a:r>
+                    </a:p>
+                  </a:txBody>
+                  <a:tcPr>
+                    <a:lnL w="12700" cap="flat" cmpd="sng" algn="ctr">
+                      <a:solidFill>
+                        <a:schemeClr val="bg1"/>
+                      </a:solidFill>
+                      <a:prstDash val="solid"/>
+                      <a:round/>
+                      <a:headEnd type="none" w="med" len="med"/>
+                      <a:tailEnd type="none" w="med" len="med"/>
+                    </a:lnL>
+                    <a:lnR w="12700" cap="flat" cmpd="sng" algn="ctr">
+                      <a:solidFill>
+                        <a:schemeClr val="bg1"/>
+                      </a:solidFill>
+                      <a:prstDash val="solid"/>
+                      <a:round/>
+                      <a:headEnd type="none" w="med" len="med"/>
+                      <a:tailEnd type="none" w="med" len="med"/>
+                    </a:lnR>
+                    <a:lnT w="12700" cap="flat" cmpd="sng" algn="ctr">
+                      <a:solidFill>
+                        <a:schemeClr val="bg1"/>
+                      </a:solidFill>
+                      <a:prstDash val="solid"/>
+                      <a:round/>
+                      <a:headEnd type="none" w="med" len="med"/>
+                      <a:tailEnd type="none" w="med" len="med"/>
+                    </a:lnT>
+                    <a:lnB w="12700" cap="flat" cmpd="sng" algn="ctr">
+                      <a:solidFill>
+                        <a:schemeClr val="bg1"/>
+                      </a:solidFill>
+                      <a:prstDash val="solid"/>
+                      <a:round/>
+                      <a:headEnd type="none" w="med" len="med"/>
+                      <a:tailEnd type="none" w="med" len="med"/>
+                    </a:lnB>
+                    <a:solidFill>
+                      <a:schemeClr val="tx2">
+                        <a:lumMod val="40000"/>
+                        <a:lumOff val="60000"/>
+                      </a:schemeClr>
+                    </a:solidFill>
+                  </a:tcPr>
+                </a:tc>
+                <a:tc>
+                  <a:txBody>
+                    <a:bodyPr/>
+                    <a:lstStyle/>
+                    <a:p>
+                      <a:pPr algn="ctr"/>
+                      <a:r>
+                        <a:rPr lang="pt-BR" sz="1600" dirty="0">
+                          <a:solidFill>
+                            <a:schemeClr val="accent1">
+                              <a:lumMod val="50000"/>
+                            </a:schemeClr>
+                          </a:solidFill>
+                          <a:latin typeface="Consolas" panose="020B0609020204030204" pitchFamily="49" charset="0"/>
+                        </a:rPr>
+                        <a:t>&lt;while&gt;</a:t>
+                      </a:r>
+                    </a:p>
+                  </a:txBody>
+                  <a:tcPr>
+                    <a:lnL w="12700" cap="flat" cmpd="sng" algn="ctr">
+                      <a:solidFill>
+                        <a:schemeClr val="bg1"/>
+                      </a:solidFill>
+                      <a:prstDash val="solid"/>
+                      <a:round/>
+                      <a:headEnd type="none" w="med" len="med"/>
+                      <a:tailEnd type="none" w="med" len="med"/>
+                    </a:lnL>
+                    <a:lnR w="12700" cap="flat" cmpd="sng" algn="ctr">
+                      <a:solidFill>
+                        <a:schemeClr val="bg1"/>
+                      </a:solidFill>
+                      <a:prstDash val="solid"/>
+                      <a:round/>
+                      <a:headEnd type="none" w="med" len="med"/>
+                      <a:tailEnd type="none" w="med" len="med"/>
+                    </a:lnR>
+                    <a:lnT w="12700" cap="flat" cmpd="sng" algn="ctr">
+                      <a:solidFill>
+                        <a:schemeClr val="bg1"/>
+                      </a:solidFill>
+                      <a:prstDash val="solid"/>
+                      <a:round/>
+                      <a:headEnd type="none" w="med" len="med"/>
+                      <a:tailEnd type="none" w="med" len="med"/>
+                    </a:lnT>
+                    <a:lnB w="12700" cap="flat" cmpd="sng" algn="ctr">
+                      <a:solidFill>
+                        <a:schemeClr val="bg1"/>
+                      </a:solidFill>
+                      <a:prstDash val="solid"/>
+                      <a:round/>
+                      <a:headEnd type="none" w="med" len="med"/>
+                      <a:tailEnd type="none" w="med" len="med"/>
+                    </a:lnB>
+                    <a:solidFill>
+                      <a:schemeClr val="tx2">
+                        <a:lumMod val="40000"/>
+                        <a:lumOff val="60000"/>
+                      </a:schemeClr>
+                    </a:solidFill>
+                  </a:tcPr>
+                </a:tc>
+                <a:extLst>
+                  <a:ext uri="{0D108BD9-81ED-4DB2-BD59-A6C34878D82A}">
+                    <a16:rowId xmlns:a16="http://schemas.microsoft.com/office/drawing/2014/main" val="2117296278"/>
+                  </a:ext>
+                </a:extLst>
+              </a:tr>
+              <a:tr h="370840">
+                <a:tc>
+                  <a:txBody>
+                    <a:bodyPr/>
+                    <a:lstStyle/>
+                    <a:p>
+                      <a:pPr algn="ctr"/>
+                      <a:r>
+                        <a:rPr lang="pt-BR" sz="1600" dirty="0">
+                          <a:solidFill>
+                            <a:schemeClr val="accent1">
+                              <a:lumMod val="50000"/>
+                            </a:schemeClr>
+                          </a:solidFill>
+                          <a:latin typeface="Consolas" panose="020B0609020204030204" pitchFamily="49" charset="0"/>
+                        </a:rPr>
+                        <a:t>"for"</a:t>
+                      </a:r>
+                    </a:p>
+                  </a:txBody>
+                  <a:tcPr>
+                    <a:lnL w="12700" cap="flat" cmpd="sng" algn="ctr">
+                      <a:solidFill>
+                        <a:schemeClr val="bg1"/>
+                      </a:solidFill>
+                      <a:prstDash val="solid"/>
+                      <a:round/>
+                      <a:headEnd type="none" w="med" len="med"/>
+                      <a:tailEnd type="none" w="med" len="med"/>
+                    </a:lnL>
+                    <a:lnR w="12700" cap="flat" cmpd="sng" algn="ctr">
+                      <a:solidFill>
+                        <a:schemeClr val="bg1"/>
+                      </a:solidFill>
+                      <a:prstDash val="solid"/>
+                      <a:round/>
+                      <a:headEnd type="none" w="med" len="med"/>
+                      <a:tailEnd type="none" w="med" len="med"/>
+                    </a:lnR>
+                    <a:lnT w="12700" cap="flat" cmpd="sng" algn="ctr">
+                      <a:solidFill>
+                        <a:schemeClr val="bg1"/>
+                      </a:solidFill>
+                      <a:prstDash val="solid"/>
+                      <a:round/>
+                      <a:headEnd type="none" w="med" len="med"/>
+                      <a:tailEnd type="none" w="med" len="med"/>
+                    </a:lnT>
+                    <a:lnB w="12700" cap="flat" cmpd="sng" algn="ctr">
+                      <a:solidFill>
+                        <a:schemeClr val="bg1"/>
+                      </a:solidFill>
+                      <a:prstDash val="solid"/>
+                      <a:round/>
+                      <a:headEnd type="none" w="med" len="med"/>
+                      <a:tailEnd type="none" w="med" len="med"/>
+                    </a:lnB>
+                    <a:solidFill>
+                      <a:schemeClr val="tx2">
+                        <a:lumMod val="40000"/>
+                        <a:lumOff val="60000"/>
+                      </a:schemeClr>
+                    </a:solidFill>
+                  </a:tcPr>
+                </a:tc>
+                <a:tc>
+                  <a:txBody>
+                    <a:bodyPr/>
+                    <a:lstStyle/>
+                    <a:p>
+                      <a:pPr algn="ctr"/>
+                      <a:r>
+                        <a:rPr lang="pt-BR" sz="1600" dirty="0">
+                          <a:solidFill>
+                            <a:schemeClr val="accent1">
+                              <a:lumMod val="50000"/>
+                            </a:schemeClr>
+                          </a:solidFill>
+                          <a:latin typeface="Consolas" panose="020B0609020204030204" pitchFamily="49" charset="0"/>
+                        </a:rPr>
+                        <a:t>&lt;for&gt;</a:t>
+                      </a:r>
+                    </a:p>
+                  </a:txBody>
+                  <a:tcPr>
+                    <a:lnL w="12700" cap="flat" cmpd="sng" algn="ctr">
+                      <a:solidFill>
+                        <a:schemeClr val="bg1"/>
+                      </a:solidFill>
+                      <a:prstDash val="solid"/>
+                      <a:round/>
+                      <a:headEnd type="none" w="med" len="med"/>
+                      <a:tailEnd type="none" w="med" len="med"/>
+                    </a:lnL>
+                    <a:lnR w="12700" cap="flat" cmpd="sng" algn="ctr">
+                      <a:solidFill>
+                        <a:schemeClr val="bg1"/>
+                      </a:solidFill>
+                      <a:prstDash val="solid"/>
+                      <a:round/>
+                      <a:headEnd type="none" w="med" len="med"/>
+                      <a:tailEnd type="none" w="med" len="med"/>
+                    </a:lnR>
+                    <a:lnT w="12700" cap="flat" cmpd="sng" algn="ctr">
+                      <a:solidFill>
+                        <a:schemeClr val="bg1"/>
+                      </a:solidFill>
+                      <a:prstDash val="solid"/>
+                      <a:round/>
+                      <a:headEnd type="none" w="med" len="med"/>
+                      <a:tailEnd type="none" w="med" len="med"/>
+                    </a:lnT>
+                    <a:lnB w="12700" cap="flat" cmpd="sng" algn="ctr">
+                      <a:solidFill>
+                        <a:schemeClr val="bg1"/>
+                      </a:solidFill>
+                      <a:prstDash val="solid"/>
+                      <a:round/>
+                      <a:headEnd type="none" w="med" len="med"/>
+                      <a:tailEnd type="none" w="med" len="med"/>
+                    </a:lnB>
+                    <a:solidFill>
+                      <a:schemeClr val="tx2">
+                        <a:lumMod val="40000"/>
+                        <a:lumOff val="60000"/>
+                      </a:schemeClr>
+                    </a:solidFill>
+                  </a:tcPr>
+                </a:tc>
+                <a:extLst>
+                  <a:ext uri="{0D108BD9-81ED-4DB2-BD59-A6C34878D82A}">
+                    <a16:rowId xmlns:a16="http://schemas.microsoft.com/office/drawing/2014/main" val="2043074432"/>
+                  </a:ext>
+                </a:extLst>
+              </a:tr>
+              <a:tr h="370840">
+                <a:tc>
+                  <a:txBody>
+                    <a:bodyPr/>
+                    <a:lstStyle/>
+                    <a:p>
+                      <a:pPr algn="ctr"/>
+                      <a:r>
+                        <a:rPr lang="pt-BR" sz="1600" dirty="0">
+                          <a:solidFill>
+                            <a:schemeClr val="accent1">
+                              <a:lumMod val="50000"/>
+                            </a:schemeClr>
+                          </a:solidFill>
+                          <a:latin typeface="Consolas" panose="020B0609020204030204" pitchFamily="49" charset="0"/>
+                        </a:rPr>
+                        <a:t>"cont"</a:t>
+                      </a:r>
+                    </a:p>
+                  </a:txBody>
+                  <a:tcPr>
+                    <a:lnL w="12700" cap="flat" cmpd="sng" algn="ctr">
+                      <a:solidFill>
+                        <a:schemeClr val="bg1"/>
+                      </a:solidFill>
+                      <a:prstDash val="solid"/>
+                      <a:round/>
+                      <a:headEnd type="none" w="med" len="med"/>
+                      <a:tailEnd type="none" w="med" len="med"/>
+                    </a:lnL>
+                    <a:lnR w="12700" cap="flat" cmpd="sng" algn="ctr">
+                      <a:solidFill>
+                        <a:schemeClr val="bg1"/>
+                      </a:solidFill>
+                      <a:prstDash val="solid"/>
+                      <a:round/>
+                      <a:headEnd type="none" w="med" len="med"/>
+                      <a:tailEnd type="none" w="med" len="med"/>
+                    </a:lnR>
+                    <a:lnT w="12700" cap="flat" cmpd="sng" algn="ctr">
+                      <a:solidFill>
+                        <a:schemeClr val="bg1"/>
+                      </a:solidFill>
+                      <a:prstDash val="solid"/>
+                      <a:round/>
+                      <a:headEnd type="none" w="med" len="med"/>
+                      <a:tailEnd type="none" w="med" len="med"/>
+                    </a:lnT>
+                    <a:lnB w="12700" cap="flat" cmpd="sng" algn="ctr">
+                      <a:solidFill>
+                        <a:schemeClr val="bg1"/>
+                      </a:solidFill>
+                      <a:prstDash val="solid"/>
+                      <a:round/>
+                      <a:headEnd type="none" w="med" len="med"/>
+                      <a:tailEnd type="none" w="med" len="med"/>
+                    </a:lnB>
+                    <a:solidFill>
+                      <a:schemeClr val="tx1">
+                        <a:lumMod val="95000"/>
+                      </a:schemeClr>
+                    </a:solidFill>
+                  </a:tcPr>
+                </a:tc>
+                <a:tc>
+                  <a:txBody>
+                    <a:bodyPr/>
+                    <a:lstStyle/>
+                    <a:p>
+                      <a:pPr algn="ctr"/>
+                      <a:r>
+                        <a:rPr lang="pt-BR" sz="1600" dirty="0">
+                          <a:solidFill>
+                            <a:schemeClr val="accent1">
+                              <a:lumMod val="50000"/>
+                            </a:schemeClr>
+                          </a:solidFill>
+                          <a:latin typeface="Consolas" panose="020B0609020204030204" pitchFamily="49" charset="0"/>
+                        </a:rPr>
+                        <a:t>&lt;id&gt;</a:t>
+                      </a:r>
+                    </a:p>
+                  </a:txBody>
+                  <a:tcPr>
+                    <a:lnL w="12700" cap="flat" cmpd="sng" algn="ctr">
+                      <a:solidFill>
+                        <a:schemeClr val="bg1"/>
+                      </a:solidFill>
+                      <a:prstDash val="solid"/>
+                      <a:round/>
+                      <a:headEnd type="none" w="med" len="med"/>
+                      <a:tailEnd type="none" w="med" len="med"/>
+                    </a:lnL>
+                    <a:lnR w="12700" cap="flat" cmpd="sng" algn="ctr">
+                      <a:solidFill>
+                        <a:schemeClr val="bg1"/>
+                      </a:solidFill>
+                      <a:prstDash val="solid"/>
+                      <a:round/>
+                      <a:headEnd type="none" w="med" len="med"/>
+                      <a:tailEnd type="none" w="med" len="med"/>
+                    </a:lnR>
+                    <a:lnT w="12700" cap="flat" cmpd="sng" algn="ctr">
+                      <a:solidFill>
+                        <a:schemeClr val="bg1"/>
+                      </a:solidFill>
+                      <a:prstDash val="solid"/>
+                      <a:round/>
+                      <a:headEnd type="none" w="med" len="med"/>
+                      <a:tailEnd type="none" w="med" len="med"/>
+                    </a:lnT>
+                    <a:lnB w="12700" cap="flat" cmpd="sng" algn="ctr">
+                      <a:solidFill>
+                        <a:schemeClr val="bg1"/>
+                      </a:solidFill>
+                      <a:prstDash val="solid"/>
+                      <a:round/>
+                      <a:headEnd type="none" w="med" len="med"/>
+                      <a:tailEnd type="none" w="med" len="med"/>
+                    </a:lnB>
+                    <a:solidFill>
+                      <a:schemeClr val="tx1">
+                        <a:lumMod val="95000"/>
+                      </a:schemeClr>
+                    </a:solidFill>
+                  </a:tcPr>
+                </a:tc>
+                <a:extLst>
+                  <a:ext uri="{0D108BD9-81ED-4DB2-BD59-A6C34878D82A}">
+                    <a16:rowId xmlns:a16="http://schemas.microsoft.com/office/drawing/2014/main" val="1538148711"/>
+                  </a:ext>
+                </a:extLst>
+              </a:tr>
+              <a:tr h="370840">
+                <a:tc>
+                  <a:txBody>
+                    <a:bodyPr/>
+                    <a:lstStyle/>
+                    <a:p>
+                      <a:pPr algn="ctr"/>
+                      <a:r>
+                        <a:rPr lang="pt-BR" sz="1600" dirty="0">
+                          <a:solidFill>
+                            <a:schemeClr val="accent1">
+                              <a:lumMod val="50000"/>
+                            </a:schemeClr>
+                          </a:solidFill>
+                          <a:latin typeface="Consolas" panose="020B0609020204030204" pitchFamily="49" charset="0"/>
+                        </a:rPr>
+                        <a:t>"val"</a:t>
+                      </a:r>
+                    </a:p>
+                  </a:txBody>
+                  <a:tcPr>
+                    <a:lnL w="12700" cap="flat" cmpd="sng" algn="ctr">
+                      <a:solidFill>
+                        <a:schemeClr val="bg1"/>
+                      </a:solidFill>
+                      <a:prstDash val="solid"/>
+                      <a:round/>
+                      <a:headEnd type="none" w="med" len="med"/>
+                      <a:tailEnd type="none" w="med" len="med"/>
+                    </a:lnL>
+                    <a:lnR w="12700" cap="flat" cmpd="sng" algn="ctr">
+                      <a:solidFill>
+                        <a:schemeClr val="bg1"/>
+                      </a:solidFill>
+                      <a:prstDash val="solid"/>
+                      <a:round/>
+                      <a:headEnd type="none" w="med" len="med"/>
+                      <a:tailEnd type="none" w="med" len="med"/>
+                    </a:lnR>
+                    <a:lnT w="12700" cap="flat" cmpd="sng" algn="ctr">
+                      <a:solidFill>
+                        <a:schemeClr val="bg1"/>
+                      </a:solidFill>
+                      <a:prstDash val="solid"/>
+                      <a:round/>
+                      <a:headEnd type="none" w="med" len="med"/>
+                      <a:tailEnd type="none" w="med" len="med"/>
+                    </a:lnT>
+                    <a:lnB w="12700" cap="flat" cmpd="sng" algn="ctr">
+                      <a:solidFill>
+                        <a:schemeClr val="bg1"/>
+                      </a:solidFill>
+                      <a:prstDash val="solid"/>
+                      <a:round/>
+                      <a:headEnd type="none" w="med" len="med"/>
+                      <a:tailEnd type="none" w="med" len="med"/>
+                    </a:lnB>
+                    <a:solidFill>
+                      <a:schemeClr val="tx1">
+                        <a:lumMod val="95000"/>
+                      </a:schemeClr>
+                    </a:solidFill>
+                  </a:tcPr>
+                </a:tc>
+                <a:tc>
+                  <a:txBody>
+                    <a:bodyPr/>
+                    <a:lstStyle/>
+                    <a:p>
+                      <a:pPr algn="ctr"/>
+                      <a:r>
+                        <a:rPr lang="pt-BR" sz="1600" dirty="0">
+                          <a:solidFill>
+                            <a:schemeClr val="accent1">
+                              <a:lumMod val="50000"/>
+                            </a:schemeClr>
+                          </a:solidFill>
+                          <a:latin typeface="Consolas" panose="020B0609020204030204" pitchFamily="49" charset="0"/>
+                        </a:rPr>
+                        <a:t>&lt;id&gt;</a:t>
+                      </a:r>
+                    </a:p>
+                  </a:txBody>
+                  <a:tcPr>
+                    <a:lnL w="12700" cap="flat" cmpd="sng" algn="ctr">
+                      <a:solidFill>
+                        <a:schemeClr val="bg1"/>
+                      </a:solidFill>
+                      <a:prstDash val="solid"/>
+                      <a:round/>
+                      <a:headEnd type="none" w="med" len="med"/>
+                      <a:tailEnd type="none" w="med" len="med"/>
+                    </a:lnL>
+                    <a:lnR w="12700" cap="flat" cmpd="sng" algn="ctr">
+                      <a:solidFill>
+                        <a:schemeClr val="bg1"/>
+                      </a:solidFill>
+                      <a:prstDash val="solid"/>
+                      <a:round/>
+                      <a:headEnd type="none" w="med" len="med"/>
+                      <a:tailEnd type="none" w="med" len="med"/>
+                    </a:lnR>
+                    <a:lnT w="12700" cap="flat" cmpd="sng" algn="ctr">
+                      <a:solidFill>
+                        <a:schemeClr val="bg1"/>
+                      </a:solidFill>
+                      <a:prstDash val="solid"/>
+                      <a:round/>
+                      <a:headEnd type="none" w="med" len="med"/>
+                      <a:tailEnd type="none" w="med" len="med"/>
+                    </a:lnT>
+                    <a:lnB w="12700" cap="flat" cmpd="sng" algn="ctr">
+                      <a:solidFill>
+                        <a:schemeClr val="bg1"/>
+                      </a:solidFill>
+                      <a:prstDash val="solid"/>
+                      <a:round/>
+                      <a:headEnd type="none" w="med" len="med"/>
+                      <a:tailEnd type="none" w="med" len="med"/>
+                    </a:lnB>
+                    <a:solidFill>
+                      <a:schemeClr val="tx1">
+                        <a:lumMod val="95000"/>
+                      </a:schemeClr>
+                    </a:solidFill>
+                  </a:tcPr>
+                </a:tc>
+                <a:extLst>
+                  <a:ext uri="{0D108BD9-81ED-4DB2-BD59-A6C34878D82A}">
+                    <a16:rowId xmlns:a16="http://schemas.microsoft.com/office/drawing/2014/main" val="3547875239"/>
+                  </a:ext>
+                </a:extLst>
+              </a:tr>
+            </a:tbl>
+          </a:graphicData>
+        </a:graphic>
+      </p:graphicFrame>
     </p:spTree>
     <p:extLst>
       <p:ext uri="{BB962C8B-B14F-4D97-AF65-F5344CB8AC3E}">
@@ -8464,7 +9711,7 @@
           <a:lstStyle/>
           <a:p>
             <a:r>
-              <a:rPr lang="pt-BR" sz="1600" dirty="0" err="1">
+              <a:rPr lang="pt-BR" sz="1600" dirty="0">
                 <a:solidFill>
                   <a:schemeClr val="bg2">
                     <a:lumMod val="50000"/>
@@ -8534,42 +9781,30 @@
               <a:rPr lang="pt-BR" sz="1600" dirty="0">
                 <a:latin typeface="Consolas" panose="020B0609020204030204" pitchFamily="49" charset="0"/>
               </a:rPr>
-              <a:t>    w = </a:t>
+              <a:t>    t = token retornado por </a:t>
             </a:r>
             <a:r>
               <a:rPr lang="pt-BR" sz="1600" dirty="0" err="1">
                 <a:latin typeface="Consolas" panose="020B0609020204030204" pitchFamily="49" charset="0"/>
               </a:rPr>
-              <a:t>token</a:t>
+              <a:t>id_table.find</a:t>
             </a:r>
             <a:r>
               <a:rPr lang="pt-BR" sz="1600" dirty="0">
                 <a:latin typeface="Consolas" panose="020B0609020204030204" pitchFamily="49" charset="0"/>
               </a:rPr>
-              <a:t> retornado por </a:t>
-            </a:r>
-            <a:r>
-              <a:rPr lang="pt-BR" sz="1600" dirty="0" err="1">
-                <a:latin typeface="Consolas" panose="020B0609020204030204" pitchFamily="49" charset="0"/>
-              </a:rPr>
-              <a:t>id_table.find</a:t>
-            </a:r>
+              <a:t>(s);</a:t>
+            </a:r>
+          </a:p>
+          <a:p>
             <a:r>
               <a:rPr lang="pt-BR" sz="1600" dirty="0">
                 <a:latin typeface="Consolas" panose="020B0609020204030204" pitchFamily="49" charset="0"/>
               </a:rPr>
-              <a:t>(s);</a:t>
-            </a:r>
-          </a:p>
-          <a:p>
+              <a:t>    </a:t>
+            </a:r>
             <a:r>
               <a:rPr lang="pt-BR" sz="1600" dirty="0">
-                <a:latin typeface="Consolas" panose="020B0609020204030204" pitchFamily="49" charset="0"/>
-              </a:rPr>
-              <a:t>    </a:t>
-            </a:r>
-            <a:r>
-              <a:rPr lang="pt-BR" sz="1600" dirty="0" err="1">
                 <a:solidFill>
                   <a:schemeClr val="bg2">
                     <a:lumMod val="50000"/>
@@ -8584,7 +9819,7 @@
               <a:rPr lang="pt-BR" sz="1600" dirty="0">
                 <a:latin typeface="Consolas" panose="020B0609020204030204" pitchFamily="49" charset="0"/>
               </a:rPr>
-              <a:t> (w não é nulo)</a:t>
+              <a:t> (t não é nulo)</a:t>
             </a:r>
           </a:p>
           <a:p>
@@ -8595,7 +9830,7 @@
               <a:t>        </a:t>
             </a:r>
             <a:r>
-              <a:rPr lang="pt-BR" sz="1600" dirty="0">
+              <a:rPr lang="pt-BR" sz="1600" dirty="0" err="1">
                 <a:solidFill>
                   <a:schemeClr val="bg2">
                     <a:lumMod val="50000"/>
@@ -8610,7 +9845,7 @@
               <a:rPr lang="pt-BR" sz="1600" dirty="0">
                 <a:latin typeface="Consolas" panose="020B0609020204030204" pitchFamily="49" charset="0"/>
               </a:rPr>
-              <a:t> w;</a:t>
+              <a:t> t;</a:t>
             </a:r>
           </a:p>
           <a:p>
@@ -8860,7 +10095,14 @@
           <a:p>
             <a:r>
               <a:rPr lang="pt-BR" dirty="0"/>
-              <a:t>Os fragmentos de pseudocódigo apresentados até agora podem ser reunidos para formar uma </a:t>
+              <a:t>Os fragmentos de pseudocódigo apresentados até agora </a:t>
+            </a:r>
+            <a:br>
+              <a:rPr lang="pt-BR" dirty="0"/>
+            </a:br>
+            <a:r>
+              <a:rPr lang="pt-BR" dirty="0"/>
+              <a:t>podem ser reunidos para formar </a:t>
             </a:r>
             <a:r>
               <a:rPr lang="pt-BR" dirty="0">
@@ -8870,21 +10112,11 @@
                   </a:schemeClr>
                 </a:solidFill>
               </a:rPr>
-              <a:t>função </a:t>
-            </a:r>
-            <a:r>
-              <a:rPr lang="pt-BR" i="1" dirty="0" err="1">
-                <a:solidFill>
-                  <a:schemeClr val="accent1">
-                    <a:lumMod val="75000"/>
-                  </a:schemeClr>
-                </a:solidFill>
-              </a:rPr>
-              <a:t>Scan</a:t>
-            </a:r>
-            <a:r>
-              <a:rPr lang="pt-BR" dirty="0"/>
-              <a:t>, nosso analisador léxico:</a:t>
+              <a:t>nosso analisador léxico</a:t>
+            </a:r>
+            <a:r>
+              <a:rPr lang="pt-BR" dirty="0"/>
+              <a:t>:</a:t>
             </a:r>
           </a:p>
         </p:txBody>
@@ -8921,13 +10153,13 @@
               <a:rPr lang="pt-BR" sz="1600" dirty="0">
                 <a:solidFill>
                   <a:schemeClr val="accent1">
-                    <a:lumMod val="40000"/>
-                    <a:lumOff val="60000"/>
+                    <a:lumMod val="60000"/>
+                    <a:lumOff val="40000"/>
                   </a:schemeClr>
                 </a:solidFill>
                 <a:latin typeface="Consolas" panose="020B0609020204030204" pitchFamily="49" charset="0"/>
               </a:rPr>
-              <a:t>Token</a:t>
+              <a:t>token</a:t>
             </a:r>
             <a:r>
               <a:rPr lang="pt-BR" sz="1600" dirty="0">
@@ -8944,7 +10176,7 @@
               <a:rPr lang="pt-BR" sz="1600" dirty="0" err="1">
                 <a:latin typeface="Consolas" panose="020B0609020204030204" pitchFamily="49" charset="0"/>
               </a:rPr>
-              <a:t>Scan</a:t>
+              <a:t>scan</a:t>
             </a:r>
             <a:r>
               <a:rPr lang="pt-BR" sz="1600" dirty="0">
@@ -9045,13 +10277,13 @@
               <a:rPr lang="pt-BR" sz="1600" dirty="0">
                 <a:solidFill>
                   <a:schemeClr val="accent1">
-                    <a:lumMod val="40000"/>
-                    <a:lumOff val="60000"/>
+                    <a:lumMod val="60000"/>
+                    <a:lumOff val="40000"/>
                   </a:schemeClr>
                 </a:solidFill>
                 <a:latin typeface="Consolas" panose="020B0609020204030204" pitchFamily="49" charset="0"/>
               </a:rPr>
-              <a:t>Token</a:t>
+              <a:t>token</a:t>
             </a:r>
             <a:r>
               <a:rPr lang="pt-BR" sz="1600" dirty="0">
@@ -9063,13 +10295,13 @@
               <a:rPr lang="pt-BR" sz="1600" dirty="0">
                 <a:solidFill>
                   <a:schemeClr val="accent1">
-                    <a:lumMod val="40000"/>
-                    <a:lumOff val="60000"/>
+                    <a:lumMod val="60000"/>
+                    <a:lumOff val="40000"/>
                   </a:schemeClr>
                 </a:solidFill>
                 <a:latin typeface="Consolas" panose="020B0609020204030204" pitchFamily="49" charset="0"/>
               </a:rPr>
-              <a:t>Token</a:t>
+              <a:t>token</a:t>
             </a:r>
             <a:r>
               <a:rPr lang="pt-BR" sz="1600" dirty="0">
@@ -9240,32 +10472,25 @@
                   </a:schemeClr>
                 </a:solidFill>
               </a:rPr>
-              <a:t>representa um </a:t>
-            </a:r>
-            <a:r>
-              <a:rPr lang="pt-BR" dirty="0" err="1">
+              <a:t>representa um token </a:t>
+            </a:r>
+            <a:br>
+              <a:rPr lang="pt-BR" dirty="0">
                 <a:solidFill>
                   <a:schemeClr val="accent1">
                     <a:lumMod val="75000"/>
                   </a:schemeClr>
                 </a:solidFill>
               </a:rPr>
-              <a:t>token</a:t>
-            </a:r>
-            <a:r>
-              <a:rPr lang="pt-BR" dirty="0">
-                <a:solidFill>
-                  <a:schemeClr val="accent1">
-                    <a:lumMod val="75000"/>
-                  </a:schemeClr>
-                </a:solidFill>
-              </a:rPr>
-              <a:t> </a:t>
-            </a:r>
+            </a:br>
             <a:r>
               <a:rPr lang="pt-BR" dirty="0"/>
               <a:t>pelas seguintes classes:</a:t>
             </a:r>
+            <a:br>
+              <a:rPr lang="pt-BR" dirty="0"/>
+            </a:br>
+            <a:endParaRPr lang="pt-BR" dirty="0"/>
           </a:p>
           <a:p>
             <a:pPr lvl="1"/>
@@ -9444,14 +10669,14 @@
               <a:rPr lang="pt-BR" dirty="0">
                 <a:latin typeface="Consolas" panose="020B0609020204030204" pitchFamily="49" charset="0"/>
               </a:rPr>
-              <a:t>x</a:t>
+              <a:t>cont</a:t>
             </a:r>
             <a:r>
               <a:rPr lang="pt-BR" dirty="0"/>
               <a:t>, </a:t>
             </a:r>
             <a:r>
-              <a:rPr lang="pt-BR" dirty="0" err="1">
+              <a:rPr lang="pt-BR" dirty="0">
                 <a:latin typeface="Consolas" panose="020B0609020204030204" pitchFamily="49" charset="0"/>
               </a:rPr>
               <a:t>val</a:t>
@@ -9461,7 +10686,7 @@
               <a:t>, </a:t>
             </a:r>
             <a:r>
-              <a:rPr lang="pt-BR" dirty="0" err="1">
+              <a:rPr lang="pt-BR" dirty="0">
                 <a:latin typeface="Consolas" panose="020B0609020204030204" pitchFamily="49" charset="0"/>
               </a:rPr>
               <a:t>if</a:t>
@@ -9471,7 +10696,7 @@
               <a:t>, </a:t>
             </a:r>
             <a:r>
-              <a:rPr lang="pt-BR" dirty="0" err="1">
+              <a:rPr lang="pt-BR" dirty="0">
                 <a:latin typeface="Consolas" panose="020B0609020204030204" pitchFamily="49" charset="0"/>
               </a:rPr>
               <a:t>while</a:t>
@@ -9510,7 +10735,7 @@
         </p:nvGrpSpPr>
         <p:grpSpPr>
           <a:xfrm>
-            <a:off x="6094412" y="3284984"/>
+            <a:off x="6238428" y="3356992"/>
             <a:ext cx="4608512" cy="2561828"/>
             <a:chOff x="3718148" y="3140968"/>
             <a:chExt cx="4608512" cy="2561828"/>
@@ -10251,7 +11476,22 @@
             <a:pPr lvl="2"/>
             <a:r>
               <a:rPr lang="pt-BR" dirty="0"/>
-              <a:t>Números com mais de um dígito (ex.: 25, 84, etc.) também</a:t>
+              <a:t>Números com mais de um dígito (</a:t>
+            </a:r>
+            <a:r>
+              <a:rPr lang="pt-BR" dirty="0">
+                <a:solidFill>
+                  <a:schemeClr val="accent1">
+                    <a:lumMod val="60000"/>
+                    <a:lumOff val="40000"/>
+                  </a:schemeClr>
+                </a:solidFill>
+              </a:rPr>
+              <a:t>ex.:</a:t>
+            </a:r>
+            <a:r>
+              <a:rPr lang="pt-BR" dirty="0"/>
+              <a:t> 25, 84, etc.) também</a:t>
             </a:r>
           </a:p>
         </p:txBody>
@@ -11129,8 +12369,11 @@
             </a:r>
             <a:r>
               <a:rPr lang="pt-BR" dirty="0"/>
-              <a:t> será usada para representar os operadores aritméticos, que </a:t>
-            </a:r>
+              <a:t> será usada para representar os símbolos que </a:t>
+            </a:r>
+            <a:br>
+              <a:rPr lang="pt-BR" dirty="0"/>
+            </a:br>
             <a:r>
               <a:rPr lang="pt-BR" dirty="0">
                 <a:solidFill>
@@ -11140,6 +12383,20 @@
                 </a:solidFill>
               </a:rPr>
               <a:t>não necessitam de atributos</a:t>
+            </a:r>
+            <a:r>
+              <a:rPr lang="pt-BR" dirty="0"/>
+              <a:t>, como os operadores aritméticos</a:t>
+            </a:r>
+            <a:r>
+              <a:rPr lang="pt-BR" dirty="0">
+                <a:solidFill>
+                  <a:schemeClr val="accent1">
+                    <a:lumMod val="75000"/>
+                  </a:schemeClr>
+                </a:solidFill>
+              </a:rPr>
+              <a:t> </a:t>
             </a:r>
           </a:p>
         </p:txBody>
@@ -11353,8 +12610,8 @@
               <a:rPr lang="pt-BR" dirty="0">
                 <a:solidFill>
                   <a:schemeClr val="accent1">
-                    <a:lumMod val="40000"/>
-                    <a:lumOff val="60000"/>
+                    <a:lumMod val="60000"/>
+                    <a:lumOff val="40000"/>
                   </a:schemeClr>
                 </a:solidFill>
                 <a:latin typeface="Consolas" panose="020B0609020204030204" pitchFamily="49" charset="0"/>
@@ -11419,8 +12676,8 @@
               <a:rPr lang="pt-BR" dirty="0">
                 <a:solidFill>
                   <a:schemeClr val="accent1">
-                    <a:lumMod val="40000"/>
-                    <a:lumOff val="60000"/>
+                    <a:lumMod val="60000"/>
+                    <a:lumOff val="40000"/>
                   </a:schemeClr>
                 </a:solidFill>
                 <a:latin typeface="Consolas" panose="020B0609020204030204" pitchFamily="49" charset="0"/>
@@ -11492,8 +12749,8 @@
               <a:rPr lang="pt-BR" dirty="0">
                 <a:solidFill>
                   <a:schemeClr val="accent1">
-                    <a:lumMod val="40000"/>
-                    <a:lumOff val="60000"/>
+                    <a:lumMod val="60000"/>
+                    <a:lumOff val="40000"/>
                   </a:schemeClr>
                 </a:solidFill>
                 <a:latin typeface="Consolas" panose="020B0609020204030204" pitchFamily="49" charset="0"/>
@@ -11521,8 +12778,8 @@
               <a:rPr lang="pt-BR" dirty="0">
                 <a:solidFill>
                   <a:schemeClr val="accent1">
-                    <a:lumMod val="40000"/>
-                    <a:lumOff val="60000"/>
+                    <a:lumMod val="60000"/>
+                    <a:lumOff val="40000"/>
                   </a:schemeClr>
                 </a:solidFill>
                 <a:latin typeface="Consolas" panose="020B0609020204030204" pitchFamily="49" charset="0"/>
@@ -11709,18 +12966,26 @@
               <a:t>A </a:t>
             </a:r>
             <a:r>
-              <a:rPr lang="pt-BR" dirty="0" err="1">
+              <a:rPr lang="pt-BR" dirty="0" err="1"/>
+              <a:t>tag</a:t>
+            </a:r>
+            <a:r>
+              <a:rPr lang="pt-BR" dirty="0"/>
+              <a:t> das </a:t>
+            </a:r>
+            <a:r>
+              <a:rPr lang="pt-BR" dirty="0">
                 <a:solidFill>
                   <a:schemeClr val="accent1">
                     <a:lumMod val="75000"/>
                   </a:schemeClr>
                 </a:solidFill>
               </a:rPr>
-              <a:t>tag</a:t>
-            </a:r>
-            <a:r>
-              <a:rPr lang="pt-BR" dirty="0"/>
-              <a:t> dos </a:t>
+              <a:t>classes Num </a:t>
+            </a:r>
+            <a:r>
+              <a:rPr lang="pt-BR" dirty="0"/>
+              <a:t>e</a:t>
             </a:r>
             <a:r>
               <a:rPr lang="pt-BR" dirty="0">
@@ -11730,31 +12995,11 @@
                   </a:schemeClr>
                 </a:solidFill>
               </a:rPr>
-              <a:t>símbolos terminais </a:t>
-            </a:r>
-            <a:r>
-              <a:rPr lang="pt-BR" b="1" dirty="0">
-                <a:solidFill>
-                  <a:srgbClr val="FF4343"/>
-                </a:solidFill>
-              </a:rPr>
-              <a:t>num</a:t>
-            </a:r>
-            <a:r>
-              <a:rPr lang="pt-BR" dirty="0"/>
-              <a:t> e </a:t>
-            </a:r>
-            <a:r>
-              <a:rPr lang="pt-BR" b="1" dirty="0">
-                <a:solidFill>
-                  <a:srgbClr val="FF4343"/>
-                </a:solidFill>
-              </a:rPr>
-              <a:t>id</a:t>
-            </a:r>
-            <a:r>
-              <a:rPr lang="pt-BR" dirty="0"/>
-              <a:t> serão representadas por constantes inteiras</a:t>
+              <a:t> Id </a:t>
+            </a:r>
+            <a:r>
+              <a:rPr lang="pt-BR" dirty="0"/>
+              <a:t>serão constantes inteiras</a:t>
             </a:r>
           </a:p>
           <a:p>
@@ -11764,22 +13009,22 @@
             <a:pPr lvl="1"/>
             <a:r>
               <a:rPr lang="pt-BR" dirty="0"/>
-              <a:t>TRUE e FALSE estão ai para ilustrar o uso </a:t>
-            </a:r>
-            <a:r>
-              <a:rPr lang="pt-BR"/>
-              <a:t>de palavras-chave </a:t>
-            </a:r>
-            <a:r>
-              <a:rPr lang="pt-BR" dirty="0"/>
-              <a:t>reservadas</a:t>
+              <a:t>TRUE e FALSE estão ai para ilustrar o uso de palavras-chave reservadas</a:t>
             </a:r>
           </a:p>
           <a:p>
             <a:pPr lvl="1"/>
             <a:r>
               <a:rPr lang="pt-BR" dirty="0"/>
-              <a:t>Os caracteres ASCII tem código entre 0 e 255, por isso os terminais recebem valores a partir de 256</a:t>
+              <a:t>Os caracteres ASCII tem código entre 0 e 255, por isso as </a:t>
+            </a:r>
+            <a:r>
+              <a:rPr lang="pt-BR" dirty="0" err="1"/>
+              <a:t>tags</a:t>
+            </a:r>
+            <a:r>
+              <a:rPr lang="pt-BR" dirty="0"/>
+              <a:t> para os demais tokens recebem valores a partir de 256</a:t>
             </a:r>
           </a:p>
           <a:p>
@@ -11813,7 +13058,7 @@
         </p:nvSpPr>
         <p:spPr>
           <a:xfrm>
-            <a:off x="1413892" y="2924944"/>
+            <a:off x="1413892" y="2492896"/>
             <a:ext cx="7529625" cy="369332"/>
           </a:xfrm>
           <a:prstGeom prst="rect">
@@ -11854,8 +13099,8 @@
               <a:rPr lang="pt-BR" dirty="0" err="1">
                 <a:solidFill>
                   <a:schemeClr val="accent1">
-                    <a:lumMod val="40000"/>
-                    <a:lumOff val="60000"/>
+                    <a:lumMod val="60000"/>
+                    <a:lumOff val="40000"/>
                   </a:schemeClr>
                 </a:solidFill>
                 <a:latin typeface="Consolas" panose="020B0609020204030204" pitchFamily="49" charset="0"/>
@@ -11968,8 +13213,8 @@
         </p:nvSpPr>
         <p:spPr>
           <a:xfrm>
-            <a:off x="1845940" y="5157192"/>
-            <a:ext cx="1197764" cy="646331"/>
+            <a:off x="1845940" y="4797152"/>
+            <a:ext cx="1577676" cy="1200329"/>
           </a:xfrm>
           <a:prstGeom prst="rect">
             <a:avLst/>
@@ -12042,6 +13287,70 @@
                 <a:latin typeface="Consolas" panose="020B0609020204030204" pitchFamily="49" charset="0"/>
               </a:rPr>
               <a:t>ID</a:t>
+            </a:r>
+          </a:p>
+          <a:p>
+            <a:r>
+              <a:rPr lang="pt-BR" dirty="0" err="1">
+                <a:solidFill>
+                  <a:schemeClr val="accent1">
+                    <a:lumMod val="60000"/>
+                    <a:lumOff val="40000"/>
+                  </a:schemeClr>
+                </a:solidFill>
+                <a:latin typeface="Consolas" panose="020B0609020204030204" pitchFamily="49" charset="0"/>
+              </a:rPr>
+              <a:t>Tag</a:t>
+            </a:r>
+            <a:r>
+              <a:rPr lang="pt-BR" dirty="0">
+                <a:latin typeface="Consolas" panose="020B0609020204030204" pitchFamily="49" charset="0"/>
+              </a:rPr>
+              <a:t>::</a:t>
+            </a:r>
+            <a:r>
+              <a:rPr lang="pt-BR" dirty="0">
+                <a:solidFill>
+                  <a:schemeClr val="accent1">
+                    <a:lumMod val="60000"/>
+                    <a:lumOff val="40000"/>
+                  </a:schemeClr>
+                </a:solidFill>
+                <a:latin typeface="Consolas" panose="020B0609020204030204" pitchFamily="49" charset="0"/>
+              </a:rPr>
+              <a:t>TRUE</a:t>
+            </a:r>
+          </a:p>
+          <a:p>
+            <a:r>
+              <a:rPr lang="pt-BR" dirty="0" err="1">
+                <a:solidFill>
+                  <a:schemeClr val="accent1">
+                    <a:lumMod val="60000"/>
+                    <a:lumOff val="40000"/>
+                  </a:schemeClr>
+                </a:solidFill>
+                <a:latin typeface="Consolas" panose="020B0609020204030204" pitchFamily="49" charset="0"/>
+              </a:rPr>
+              <a:t>Tag</a:t>
+            </a:r>
+            <a:r>
+              <a:rPr lang="pt-BR" dirty="0">
+                <a:latin typeface="Consolas" panose="020B0609020204030204" pitchFamily="49" charset="0"/>
+              </a:rPr>
+              <a:t>::</a:t>
+            </a:r>
+            <a:r>
+              <a:rPr lang="pt-BR" dirty="0">
+                <a:solidFill>
+                  <a:schemeClr val="accent1">
+                    <a:lumMod val="60000"/>
+                    <a:lumOff val="40000"/>
+                  </a:schemeClr>
+                </a:solidFill>
+                <a:latin typeface="Consolas" panose="020B0609020204030204" pitchFamily="49" charset="0"/>
+              </a:rPr>
+              <a:t>FALSE</a:t>
             </a:r>
             <a:r>
               <a:rPr lang="pt-BR" dirty="0">
@@ -12164,7 +13473,14 @@
             </a:r>
             <a:r>
               <a:rPr lang="pt-BR" dirty="0"/>
-              <a:t>, e possui um atributo para guardar o seu valor inteiro</a:t>
+              <a:t>, </a:t>
+            </a:r>
+            <a:br>
+              <a:rPr lang="pt-BR" dirty="0"/>
+            </a:br>
+            <a:r>
+              <a:rPr lang="pt-BR" dirty="0"/>
+              <a:t>e possui um atributo para guardar o seu valor inteiro</a:t>
             </a:r>
           </a:p>
         </p:txBody>
@@ -12219,8 +13535,8 @@
               <a:rPr lang="pt-BR" dirty="0">
                 <a:solidFill>
                   <a:schemeClr val="accent1">
-                    <a:lumMod val="40000"/>
-                    <a:lumOff val="60000"/>
+                    <a:lumMod val="60000"/>
+                    <a:lumOff val="40000"/>
                   </a:schemeClr>
                 </a:solidFill>
                 <a:latin typeface="Consolas" panose="020B0609020204030204" pitchFamily="49" charset="0"/>
@@ -12260,8 +13576,8 @@
               <a:rPr lang="pt-BR" dirty="0">
                 <a:solidFill>
                   <a:schemeClr val="accent1">
-                    <a:lumMod val="40000"/>
-                    <a:lumOff val="60000"/>
+                    <a:lumMod val="60000"/>
+                    <a:lumOff val="40000"/>
                   </a:schemeClr>
                 </a:solidFill>
                 <a:latin typeface="Consolas" panose="020B0609020204030204" pitchFamily="49" charset="0"/>
@@ -12326,8 +13642,8 @@
               <a:rPr lang="pt-BR" dirty="0">
                 <a:solidFill>
                   <a:schemeClr val="accent1">
-                    <a:lumMod val="40000"/>
-                    <a:lumOff val="60000"/>
+                    <a:lumMod val="60000"/>
+                    <a:lumOff val="40000"/>
                   </a:schemeClr>
                 </a:solidFill>
                 <a:latin typeface="Consolas" panose="020B0609020204030204" pitchFamily="49" charset="0"/>
@@ -12362,8 +13678,8 @@
               <a:rPr lang="pt-BR" dirty="0">
                 <a:solidFill>
                   <a:schemeClr val="accent1">
-                    <a:lumMod val="40000"/>
-                    <a:lumOff val="60000"/>
+                    <a:lumMod val="60000"/>
+                    <a:lumOff val="40000"/>
                   </a:schemeClr>
                 </a:solidFill>
                 <a:latin typeface="Consolas" panose="020B0609020204030204" pitchFamily="49" charset="0"/>
@@ -12378,24 +13694,6 @@
             </a:r>
             <a:r>
               <a:rPr lang="pt-BR" dirty="0" err="1">
-                <a:solidFill>
-                  <a:schemeClr val="accent1">
-                    <a:lumMod val="40000"/>
-                    <a:lumOff val="60000"/>
-                  </a:schemeClr>
-                </a:solidFill>
-                <a:latin typeface="Consolas" panose="020B0609020204030204" pitchFamily="49" charset="0"/>
-              </a:rPr>
-              <a:t>Tag</a:t>
-            </a:r>
-            <a:r>
-              <a:rPr lang="pt-BR" dirty="0">
-                <a:latin typeface="Consolas" panose="020B0609020204030204" pitchFamily="49" charset="0"/>
-              </a:rPr>
-              <a:t>::</a:t>
-            </a:r>
-            <a:r>
-              <a:rPr lang="pt-BR" dirty="0">
                 <a:solidFill>
                   <a:schemeClr val="accent1">
                     <a:lumMod val="60000"/>
@@ -12404,6 +13702,24 @@
                 </a:solidFill>
                 <a:latin typeface="Consolas" panose="020B0609020204030204" pitchFamily="49" charset="0"/>
               </a:rPr>
+              <a:t>Tag</a:t>
+            </a:r>
+            <a:r>
+              <a:rPr lang="pt-BR" dirty="0">
+                <a:latin typeface="Consolas" panose="020B0609020204030204" pitchFamily="49" charset="0"/>
+              </a:rPr>
+              <a:t>::</a:t>
+            </a:r>
+            <a:r>
+              <a:rPr lang="pt-BR" dirty="0">
+                <a:solidFill>
+                  <a:schemeClr val="accent1">
+                    <a:lumMod val="60000"/>
+                    <a:lumOff val="40000"/>
+                  </a:schemeClr>
+                </a:solidFill>
+                <a:latin typeface="Consolas" panose="020B0609020204030204" pitchFamily="49" charset="0"/>
+              </a:rPr>
               <a:t>NUM</a:t>
             </a:r>
             <a:r>
@@ -12443,8 +13759,8 @@
               <a:rPr lang="pt-BR" dirty="0">
                 <a:solidFill>
                   <a:schemeClr val="accent1">
-                    <a:lumMod val="40000"/>
-                    <a:lumOff val="60000"/>
+                    <a:lumMod val="60000"/>
+                    <a:lumOff val="40000"/>
                   </a:schemeClr>
                 </a:solidFill>
                 <a:latin typeface="Consolas" panose="020B0609020204030204" pitchFamily="49" charset="0"/>
@@ -12461,8 +13777,8 @@
               <a:rPr lang="pt-BR" dirty="0">
                 <a:solidFill>
                   <a:schemeClr val="accent1">
-                    <a:lumMod val="40000"/>
-                    <a:lumOff val="60000"/>
+                    <a:lumMod val="60000"/>
+                    <a:lumOff val="40000"/>
                   </a:schemeClr>
                 </a:solidFill>
                 <a:latin typeface="Consolas" panose="020B0609020204030204" pitchFamily="49" charset="0"/>
@@ -13417,8 +14733,8 @@
               <a:rPr lang="pt-BR" dirty="0">
                 <a:solidFill>
                   <a:schemeClr val="accent1">
-                    <a:lumMod val="40000"/>
-                    <a:lumOff val="60000"/>
+                    <a:lumMod val="60000"/>
+                    <a:lumOff val="40000"/>
                   </a:schemeClr>
                 </a:solidFill>
                 <a:latin typeface="Consolas" panose="020B0609020204030204" pitchFamily="49" charset="0"/>
@@ -13453,8 +14769,8 @@
               <a:rPr lang="pt-BR" dirty="0">
                 <a:solidFill>
                   <a:schemeClr val="accent1">
-                    <a:lumMod val="40000"/>
-                    <a:lumOff val="60000"/>
+                    <a:lumMod val="60000"/>
+                    <a:lumOff val="40000"/>
                   </a:schemeClr>
                 </a:solidFill>
                 <a:latin typeface="Consolas" panose="020B0609020204030204" pitchFamily="49" charset="0"/>
@@ -13519,8 +14835,8 @@
               <a:rPr lang="pt-BR" dirty="0">
                 <a:solidFill>
                   <a:schemeClr val="accent1">
-                    <a:lumMod val="40000"/>
-                    <a:lumOff val="60000"/>
+                    <a:lumMod val="60000"/>
+                    <a:lumOff val="40000"/>
                   </a:schemeClr>
                 </a:solidFill>
                 <a:latin typeface="Consolas" panose="020B0609020204030204" pitchFamily="49" charset="0"/>
@@ -13573,8 +14889,8 @@
               <a:rPr lang="pt-BR" dirty="0">
                 <a:solidFill>
                   <a:schemeClr val="accent1">
-                    <a:lumMod val="40000"/>
-                    <a:lumOff val="60000"/>
+                    <a:lumMod val="60000"/>
+                    <a:lumOff val="40000"/>
                   </a:schemeClr>
                 </a:solidFill>
                 <a:latin typeface="Consolas" panose="020B0609020204030204" pitchFamily="49" charset="0"/>
@@ -13693,7 +15009,7 @@
                 </a:solidFill>
                 <a:latin typeface="Consolas" panose="020B0609020204030204" pitchFamily="49" charset="0"/>
               </a:rPr>
-              <a:t>"contador"</a:t>
+              <a:t>"cont"</a:t>
             </a:r>
             <a:r>
               <a:rPr lang="pt-BR" dirty="0">
@@ -13704,7 +15020,7 @@
           </a:p>
           <a:p>
             <a:r>
-              <a:rPr lang="pt-BR">
+              <a:rPr lang="pt-BR" dirty="0">
                 <a:solidFill>
                   <a:schemeClr val="accent1">
                     <a:lumMod val="40000"/>
@@ -13716,16 +15032,10 @@
               <a:t>Id</a:t>
             </a:r>
             <a:r>
-              <a:rPr lang="pt-BR">
-                <a:latin typeface="Consolas" panose="020B0609020204030204" pitchFamily="49" charset="0"/>
-              </a:rPr>
-              <a:t> res </a:t>
-            </a:r>
-            <a:r>
-              <a:rPr lang="pt-BR" dirty="0">
-                <a:latin typeface="Consolas" panose="020B0609020204030204" pitchFamily="49" charset="0"/>
-              </a:rPr>
-              <a:t>= </a:t>
+              <a:rPr lang="pt-BR" dirty="0">
+                <a:latin typeface="Consolas" panose="020B0609020204030204" pitchFamily="49" charset="0"/>
+              </a:rPr>
+              <a:t> res = </a:t>
             </a:r>
             <a:r>
               <a:rPr lang="pt-BR" dirty="0">
@@ -16084,14 +17394,14 @@
             <a:pPr lvl="1"/>
             <a:r>
               <a:rPr lang="pt-BR" dirty="0"/>
-              <a:t>Multiplicação</a:t>
+              <a:t>Multiplicação/Divisão</a:t>
             </a:r>
           </a:p>
           <a:p>
             <a:pPr lvl="1"/>
             <a:r>
               <a:rPr lang="pt-BR" dirty="0"/>
-              <a:t>Divisão</a:t>
+              <a:t>Expressões parentizadas</a:t>
             </a:r>
           </a:p>
         </p:txBody>
@@ -16944,7 +18254,7 @@
                   </a:schemeClr>
                 </a:solidFill>
               </a:rPr>
-              <a:t>ler um caractere adiante </a:t>
+              <a:t>ler um caractere à frente </a:t>
             </a:r>
             <a:r>
               <a:rPr lang="pt-BR" dirty="0"/>
@@ -16958,139 +18268,116 @@
                   </a:schemeClr>
                 </a:solidFill>
               </a:rPr>
-              <a:t>decidir sobre o </a:t>
-            </a:r>
-            <a:r>
-              <a:rPr lang="pt-BR" dirty="0" err="1">
+              <a:t>decidir sobre o token</a:t>
+            </a:r>
+            <a:r>
+              <a:rPr lang="pt-BR" dirty="0"/>
+              <a:t> reconhecido:</a:t>
+            </a:r>
+          </a:p>
+          <a:p>
+            <a:pPr lvl="1"/>
+            <a:r>
+              <a:rPr lang="pt-BR" dirty="0"/>
+              <a:t>Se </a:t>
+            </a:r>
+            <a:r>
+              <a:rPr lang="pt-BR" dirty="0">
+                <a:solidFill>
+                  <a:srgbClr val="FF7575"/>
+                </a:solidFill>
+                <a:latin typeface="Consolas" panose="020B0609020204030204" pitchFamily="49" charset="0"/>
+              </a:rPr>
+              <a:t>'&gt;'</a:t>
+            </a:r>
+            <a:r>
+              <a:rPr lang="pt-BR" dirty="0"/>
+              <a:t> for encontrado, é preciso ler o próximo caractere:</a:t>
+            </a:r>
+          </a:p>
+          <a:p>
+            <a:pPr lvl="2"/>
+            <a:r>
+              <a:rPr lang="pt-BR" dirty="0"/>
+              <a:t>Se for achado um </a:t>
+            </a:r>
+            <a:r>
+              <a:rPr lang="pt-BR" dirty="0">
+                <a:solidFill>
+                  <a:srgbClr val="FF7575"/>
+                </a:solidFill>
+                <a:latin typeface="Consolas" panose="020B0609020204030204" pitchFamily="49" charset="0"/>
+              </a:rPr>
+              <a:t>'='</a:t>
+            </a:r>
+            <a:r>
+              <a:rPr lang="pt-BR" dirty="0"/>
+              <a:t> temos o </a:t>
+            </a:r>
+            <a:r>
+              <a:rPr lang="pt-BR" dirty="0" err="1"/>
+              <a:t>token</a:t>
+            </a:r>
+            <a:r>
+              <a:rPr lang="pt-BR" dirty="0"/>
+              <a:t> </a:t>
+            </a:r>
+            <a:r>
+              <a:rPr lang="pt-BR" dirty="0">
+                <a:solidFill>
+                  <a:srgbClr val="FF7575"/>
+                </a:solidFill>
+              </a:rPr>
+              <a:t>"maior ou igual a"</a:t>
+            </a:r>
+          </a:p>
+          <a:p>
+            <a:pPr lvl="2"/>
+            <a:r>
+              <a:rPr lang="pt-BR" dirty="0"/>
+              <a:t>Se for achado algo diferente temos o token </a:t>
+            </a:r>
+            <a:r>
+              <a:rPr lang="pt-BR" dirty="0">
+                <a:solidFill>
+                  <a:srgbClr val="FF7575"/>
+                </a:solidFill>
+              </a:rPr>
+              <a:t>"maior"</a:t>
+            </a:r>
+          </a:p>
+          <a:p>
+            <a:pPr lvl="1"/>
+            <a:endParaRPr lang="pt-BR" dirty="0"/>
+          </a:p>
+          <a:p>
+            <a:pPr lvl="1"/>
+            <a:endParaRPr lang="pt-BR" dirty="0"/>
+          </a:p>
+          <a:p>
+            <a:pPr lvl="1"/>
+            <a:endParaRPr lang="pt-BR" dirty="0"/>
+          </a:p>
+          <a:p>
+            <a:pPr lvl="1"/>
+            <a:r>
+              <a:rPr lang="pt-BR" dirty="0"/>
+              <a:t>Nesse processo, o analisador muitas vezes lerá </a:t>
+            </a:r>
+            <a:r>
+              <a:rPr lang="pt-BR" dirty="0">
                 <a:solidFill>
                   <a:schemeClr val="accent1">
                     <a:lumMod val="75000"/>
                   </a:schemeClr>
                 </a:solidFill>
               </a:rPr>
-              <a:t>token</a:t>
-            </a:r>
-            <a:r>
-              <a:rPr lang="pt-BR" dirty="0"/>
-              <a:t> reconhecido:</a:t>
-            </a:r>
-          </a:p>
-          <a:p>
-            <a:pPr lvl="1"/>
-            <a:r>
-              <a:rPr lang="pt-BR" dirty="0"/>
-              <a:t>Se o caractere </a:t>
-            </a:r>
-            <a:r>
-              <a:rPr lang="pt-BR" dirty="0">
-                <a:solidFill>
-                  <a:srgbClr val="FF7575"/>
-                </a:solidFill>
-                <a:latin typeface="Consolas" panose="020B0609020204030204" pitchFamily="49" charset="0"/>
-              </a:rPr>
-              <a:t>'&gt;'</a:t>
-            </a:r>
-            <a:r>
-              <a:rPr lang="pt-BR" dirty="0"/>
-              <a:t> for encontrado, é preciso ler adiante:</a:t>
-            </a:r>
-          </a:p>
-          <a:p>
-            <a:pPr lvl="2"/>
-            <a:r>
-              <a:rPr lang="pt-BR" dirty="0"/>
-              <a:t>Se for achado um </a:t>
-            </a:r>
-            <a:r>
-              <a:rPr lang="pt-BR" dirty="0">
-                <a:solidFill>
-                  <a:srgbClr val="FF7575"/>
-                </a:solidFill>
-                <a:latin typeface="Consolas" panose="020B0609020204030204" pitchFamily="49" charset="0"/>
-              </a:rPr>
-              <a:t>'='</a:t>
-            </a:r>
-            <a:r>
-              <a:rPr lang="pt-BR" dirty="0"/>
-              <a:t> temos o </a:t>
-            </a:r>
-            <a:r>
-              <a:rPr lang="pt-BR" dirty="0" err="1"/>
-              <a:t>token</a:t>
-            </a:r>
-            <a:r>
-              <a:rPr lang="pt-BR" dirty="0"/>
-              <a:t> </a:t>
-            </a:r>
-            <a:r>
-              <a:rPr lang="pt-BR" dirty="0">
-                <a:solidFill>
-                  <a:srgbClr val="FF7575"/>
-                </a:solidFill>
-              </a:rPr>
-              <a:t>"maior ou igual a"</a:t>
-            </a:r>
-          </a:p>
-          <a:p>
-            <a:pPr lvl="2"/>
-            <a:r>
-              <a:rPr lang="pt-BR" dirty="0"/>
-              <a:t>Se for achado outro caractere temos o </a:t>
-            </a:r>
-            <a:r>
-              <a:rPr lang="pt-BR" dirty="0" err="1"/>
-              <a:t>token</a:t>
-            </a:r>
-            <a:r>
-              <a:rPr lang="pt-BR" dirty="0"/>
-              <a:t> </a:t>
-            </a:r>
-            <a:r>
-              <a:rPr lang="pt-BR" dirty="0">
-                <a:solidFill>
-                  <a:srgbClr val="FF7575"/>
-                </a:solidFill>
-              </a:rPr>
-              <a:t>"maior"</a:t>
-            </a:r>
-          </a:p>
-          <a:p>
-            <a:pPr lvl="1"/>
-            <a:endParaRPr lang="pt-BR" dirty="0"/>
-          </a:p>
-          <a:p>
-            <a:pPr lvl="1"/>
-            <a:endParaRPr lang="pt-BR" dirty="0"/>
-          </a:p>
-          <a:p>
-            <a:pPr lvl="1"/>
-            <a:endParaRPr lang="pt-BR" dirty="0"/>
-          </a:p>
-          <a:p>
-            <a:pPr lvl="1"/>
-            <a:r>
-              <a:rPr lang="pt-BR" dirty="0"/>
-              <a:t>Nesse processo, o analisar muitas vezes lerá </a:t>
-            </a:r>
-            <a:r>
-              <a:rPr lang="pt-BR" dirty="0">
-                <a:solidFill>
-                  <a:schemeClr val="accent1">
-                    <a:lumMod val="75000"/>
-                  </a:schemeClr>
-                </a:solidFill>
-              </a:rPr>
               <a:t>um caractere além </a:t>
             </a:r>
             <a:r>
               <a:rPr lang="pt-BR" dirty="0"/>
-              <a:t>do </a:t>
-            </a:r>
-            <a:r>
-              <a:rPr lang="pt-BR" dirty="0" err="1"/>
-              <a:t>token</a:t>
-            </a:r>
-            <a:endParaRPr lang="pt-BR" dirty="0"/>
+              <a:t>do token</a:t>
+            </a:r>
           </a:p>
         </p:txBody>
       </p:sp>
@@ -17123,7 +18410,7 @@
           <a:lstStyle/>
           <a:p>
             <a:r>
-              <a:rPr lang="pt-BR" dirty="0" err="1">
+              <a:rPr lang="pt-BR" dirty="0">
                 <a:solidFill>
                   <a:schemeClr val="bg2">
                     <a:lumMod val="50000"/>
@@ -17243,7 +18530,14 @@
           <a:p>
             <a:r>
               <a:rPr lang="pt-BR" dirty="0"/>
-              <a:t>Uma técnica para implementar a leitura da entrada é usar um </a:t>
+              <a:t>Uma técnica para implementar a leitura da entrada </a:t>
+            </a:r>
+            <a:br>
+              <a:rPr lang="pt-BR" dirty="0"/>
+            </a:br>
+            <a:r>
+              <a:rPr lang="pt-BR" dirty="0"/>
+              <a:t>é usar um </a:t>
             </a:r>
             <a:r>
               <a:rPr lang="pt-BR" dirty="0">
@@ -17253,7 +18547,7 @@
                   </a:schemeClr>
                 </a:solidFill>
               </a:rPr>
-              <a:t>buffer de entrada </a:t>
+              <a:t>buffer de caracteres </a:t>
             </a:r>
             <a:r>
               <a:rPr lang="pt-BR" dirty="0"/>
@@ -17264,14 +18558,14 @@
             <a:pPr lvl="1"/>
             <a:r>
               <a:rPr lang="pt-BR" dirty="0"/>
-              <a:t>ler caracteres</a:t>
+              <a:t>O consumo de caracteres do buffer</a:t>
             </a:r>
           </a:p>
           <a:p>
             <a:pPr lvl="1"/>
             <a:r>
               <a:rPr lang="pt-BR" dirty="0"/>
-              <a:t>colocar caracteres </a:t>
+              <a:t>A </a:t>
             </a:r>
             <a:r>
               <a:rPr lang="pt-BR" dirty="0">
@@ -17281,11 +18575,11 @@
                   </a:schemeClr>
                 </a:solidFill>
               </a:rPr>
-              <a:t>de volta </a:t>
-            </a:r>
-            <a:r>
-              <a:rPr lang="pt-BR" dirty="0"/>
-              <a:t>no buffer</a:t>
+              <a:t>devolução</a:t>
+            </a:r>
+            <a:r>
+              <a:rPr lang="pt-BR" dirty="0"/>
+              <a:t> de caracteres ao buffer</a:t>
             </a:r>
           </a:p>
         </p:txBody>
@@ -17416,7 +18710,7 @@
             <a:pPr algn="ctr"/>
             <a:r>
               <a:rPr lang="pt-BR" dirty="0"/>
-              <a:t>Em C++ a função </a:t>
+              <a:t>Em C++ o método </a:t>
             </a:r>
             <a:r>
               <a:rPr lang="pt-BR" dirty="0" err="1">
@@ -17583,14 +18877,14 @@
             <a:pPr lvl="1"/>
             <a:r>
               <a:rPr lang="pt-BR" dirty="0"/>
-              <a:t>A leitura de um caractere adiante normalmente é suficiente</a:t>
+              <a:t>Ler um caractere à frente normalmente é suficiente</a:t>
             </a:r>
           </a:p>
           <a:p>
             <a:pPr lvl="1"/>
             <a:r>
               <a:rPr lang="pt-BR" dirty="0"/>
-              <a:t>A variável contém o caractere seguinte da entrada</a:t>
+              <a:t>A variável contém o próximo caractere da entrada</a:t>
             </a:r>
             <a:endParaRPr lang="pt-BR" i="1" dirty="0"/>
           </a:p>
@@ -17607,7 +18901,7 @@
                   </a:schemeClr>
                 </a:solidFill>
               </a:rPr>
-              <a:t>lê adiante apenas quando necessário</a:t>
+              <a:t>lê à frente apenas quando necessário</a:t>
             </a:r>
           </a:p>
           <a:p>
@@ -17627,7 +18921,7 @@
             </a:r>
             <a:r>
               <a:rPr lang="pt-BR" dirty="0"/>
-              <a:t> pode ser identificado sem ler o próximo caractere</a:t>
+              <a:t> pode ser identificado sem leituras adicionais</a:t>
             </a:r>
           </a:p>
           <a:p>
@@ -17688,7 +18982,7 @@
             <a:pPr lvl="3"/>
             <a:r>
               <a:rPr lang="pt-BR" dirty="0"/>
-              <a:t>O caractere além do lexema</a:t>
+              <a:t>O caractere seguinte ao lexema</a:t>
             </a:r>
           </a:p>
           <a:p>
@@ -18504,17 +19798,6 @@
 </file>
 
 <file path=customXml/item1.xml><?xml version="1.0" encoding="utf-8"?>
-<p:properties xmlns:p="http://schemas.microsoft.com/office/2006/metadata/properties" xmlns:xsi="http://www.w3.org/2001/XMLSchema-instance" xmlns:pc="http://schemas.microsoft.com/office/infopath/2007/PartnerControls">
-  <documentManagement>
-    <VSO_x0020_item_x0020_id xmlns="40262f94-9f35-4ac3-9a90-690165a166b7" xsi:nil="true"/>
-    <Assetid_x0020_ xmlns="40262f94-9f35-4ac3-9a90-690165a166b7" xsi:nil="true"/>
-    <Item_x0020_Details xmlns="40262f94-9f35-4ac3-9a90-690165a166b7" xsi:nil="true"/>
-    <Template_x0020_details xmlns="40262f94-9f35-4ac3-9a90-690165a166b7" xsi:nil="true"/>
-  </documentManagement>
-</p:properties>
-</file>
-
-<file path=customXml/item2.xml><?xml version="1.0" encoding="utf-8"?>
 <ct:contentTypeSchema xmlns:ct="http://schemas.microsoft.com/office/2006/metadata/contentType" xmlns:ma="http://schemas.microsoft.com/office/2006/metadata/properties/metaAttributes" ct:_="" ma:_="" ma:contentTypeName="Document" ma:contentTypeID="0x010100AA3F7D94069FF64A86F7DFF56D60E3BE" ma:contentTypeVersion="6" ma:contentTypeDescription="Create a new document." ma:contentTypeScope="" ma:versionID="c32302c77d4085ecf495bdddb7f5e889">
   <xsd:schema xmlns:xsd="http://www.w3.org/2001/XMLSchema" xmlns:xs="http://www.w3.org/2001/XMLSchema" xmlns:p="http://schemas.microsoft.com/office/2006/metadata/properties" xmlns:ns2="a4f35948-e619-41b3-aa29-22878b09cfd2" xmlns:ns3="40262f94-9f35-4ac3-9a90-690165a166b7" targetNamespace="http://schemas.microsoft.com/office/2006/metadata/properties" ma:root="true" ma:fieldsID="4ab5ae46be95f9d0be6107e8200be7a2" ns2:_="" ns3:_="">
     <xsd:import namespace="a4f35948-e619-41b3-aa29-22878b09cfd2"/>
@@ -18695,6 +19978,17 @@
 </ct:contentTypeSchema>
 </file>
 
+<file path=customXml/item2.xml><?xml version="1.0" encoding="utf-8"?>
+<p:properties xmlns:p="http://schemas.microsoft.com/office/2006/metadata/properties" xmlns:xsi="http://www.w3.org/2001/XMLSchema-instance" xmlns:pc="http://schemas.microsoft.com/office/infopath/2007/PartnerControls">
+  <documentManagement>
+    <VSO_x0020_item_x0020_id xmlns="40262f94-9f35-4ac3-9a90-690165a166b7" xsi:nil="true"/>
+    <Assetid_x0020_ xmlns="40262f94-9f35-4ac3-9a90-690165a166b7" xsi:nil="true"/>
+    <Item_x0020_Details xmlns="40262f94-9f35-4ac3-9a90-690165a166b7" xsi:nil="true"/>
+    <Template_x0020_details xmlns="40262f94-9f35-4ac3-9a90-690165a166b7" xsi:nil="true"/>
+  </documentManagement>
+</p:properties>
+</file>
+
 <file path=customXml/item3.xml><?xml version="1.0" encoding="utf-8"?>
 <?mso-contentType ?>
 <FormTemplates xmlns="http://schemas.microsoft.com/sharepoint/v3/contenttype/forms">
@@ -18705,16 +19999,6 @@
 </file>
 
 <file path=customXml/itemProps1.xml><?xml version="1.0" encoding="utf-8"?>
-<ds:datastoreItem xmlns:ds="http://schemas.openxmlformats.org/officeDocument/2006/customXml" ds:itemID="{045C5BB1-9D2C-412A-AE6C-0FC75190A4CE}">
-  <ds:schemaRefs>
-    <ds:schemaRef ds:uri="http://schemas.microsoft.com/office/2006/metadata/properties"/>
-    <ds:schemaRef ds:uri="http://schemas.microsoft.com/office/infopath/2007/PartnerControls"/>
-    <ds:schemaRef ds:uri="40262f94-9f35-4ac3-9a90-690165a166b7"/>
-  </ds:schemaRefs>
-</ds:datastoreItem>
-</file>
-
-<file path=customXml/itemProps2.xml><?xml version="1.0" encoding="utf-8"?>
 <ds:datastoreItem xmlns:ds="http://schemas.openxmlformats.org/officeDocument/2006/customXml" ds:itemID="{E6A2223A-9182-462D-922F-5606A5A90760}">
   <ds:schemaRefs>
     <ds:schemaRef ds:uri="http://schemas.microsoft.com/office/2006/metadata/contentType"/>
@@ -18733,6 +20017,16 @@
 </ds:datastoreItem>
 </file>
 
+<file path=customXml/itemProps2.xml><?xml version="1.0" encoding="utf-8"?>
+<ds:datastoreItem xmlns:ds="http://schemas.openxmlformats.org/officeDocument/2006/customXml" ds:itemID="{045C5BB1-9D2C-412A-AE6C-0FC75190A4CE}">
+  <ds:schemaRefs>
+    <ds:schemaRef ds:uri="http://schemas.microsoft.com/office/2006/metadata/properties"/>
+    <ds:schemaRef ds:uri="http://schemas.microsoft.com/office/infopath/2007/PartnerControls"/>
+    <ds:schemaRef ds:uri="40262f94-9f35-4ac3-9a90-690165a166b7"/>
+  </ds:schemaRefs>
+</ds:datastoreItem>
+</file>
+
 <file path=customXml/itemProps3.xml><?xml version="1.0" encoding="utf-8"?>
 <ds:datastoreItem xmlns:ds="http://schemas.openxmlformats.org/officeDocument/2006/customXml" ds:itemID="{2B6DE00F-F2BC-4082-AB87-D0D78777DE1E}">
   <ds:schemaRefs>

--- a/Slides/06. Análise Léxica.pptx
+++ b/Slides/06. Análise Léxica.pptx
@@ -162,7 +162,6 @@
 <p1510:revInfo xmlns:a="http://schemas.openxmlformats.org/drawingml/2006/main" xmlns:r="http://schemas.openxmlformats.org/officeDocument/2006/relationships" xmlns:p1510="http://schemas.microsoft.com/office/powerpoint/2015/10/main">
   <p1510:revLst>
     <p1510:client id="{32609701-2BC6-441C-8248-EC3858056055}" v="20" dt="2021-03-15T18:24:52.751"/>
-    <p1510:client id="{9413CBD2-7B7F-4A0A-8D1B-ECED9EE8305F}" v="1" dt="2021-03-15T17:35:39.952"/>
   </p1510:revLst>
 </p1510:revInfo>
 </file>
@@ -279,7 +278,7 @@
   <pc:docChgLst>
     <pc:chgData name="Judson Santiago" userId="ebb108da2f256286" providerId="LiveId" clId="{32609701-2BC6-441C-8248-EC3858056055}"/>
     <pc:docChg chg="undo redo custSel modSld">
-      <pc:chgData name="Judson Santiago" userId="ebb108da2f256286" providerId="LiveId" clId="{32609701-2BC6-441C-8248-EC3858056055}" dt="2021-03-15T18:49:44.186" v="1330" actId="6549"/>
+      <pc:chgData name="Judson Santiago" userId="ebb108da2f256286" providerId="LiveId" clId="{32609701-2BC6-441C-8248-EC3858056055}" dt="2021-03-23T05:17:56.037" v="1360" actId="20577"/>
       <pc:docMkLst>
         <pc:docMk/>
       </pc:docMkLst>
@@ -329,7 +328,7 @@
         </pc:spChg>
       </pc:sldChg>
       <pc:sldChg chg="modSp mod">
-        <pc:chgData name="Judson Santiago" userId="ebb108da2f256286" providerId="LiveId" clId="{32609701-2BC6-441C-8248-EC3858056055}" dt="2021-03-15T17:12:48.751" v="190" actId="6549"/>
+        <pc:chgData name="Judson Santiago" userId="ebb108da2f256286" providerId="LiveId" clId="{32609701-2BC6-441C-8248-EC3858056055}" dt="2021-03-23T05:17:56.037" v="1360" actId="20577"/>
         <pc:sldMkLst>
           <pc:docMk/>
           <pc:sldMk cId="4199838892" sldId="294"/>
@@ -340,6 +339,14 @@
             <pc:docMk/>
             <pc:sldMk cId="4199838892" sldId="294"/>
             <ac:spMk id="3" creationId="{45CC6AAA-D740-45B0-B32B-CF13DC13D1E1}"/>
+          </ac:spMkLst>
+        </pc:spChg>
+        <pc:spChg chg="mod">
+          <ac:chgData name="Judson Santiago" userId="ebb108da2f256286" providerId="LiveId" clId="{32609701-2BC6-441C-8248-EC3858056055}" dt="2021-03-23T05:17:56.037" v="1360" actId="20577"/>
+          <ac:spMkLst>
+            <pc:docMk/>
+            <pc:sldMk cId="4199838892" sldId="294"/>
+            <ac:spMk id="4" creationId="{FE4D24C9-BEB9-4693-A0E2-DA456726AF52}"/>
           </ac:spMkLst>
         </pc:spChg>
         <pc:spChg chg="mod">
@@ -994,7 +1001,7 @@
             <a:pPr rtl="0"/>
             <a:fld id="{6BFEDBB9-17B2-4B3E-927F-6A2C95FBF9DC}" type="datetime1">
               <a:rPr lang="pt-BR" smtClean="0"/>
-              <a:t>15/03/2021</a:t>
+              <a:t>23/03/2021</a:t>
             </a:fld>
             <a:endParaRPr lang="pt-BR" dirty="0"/>
           </a:p>
@@ -1164,7 +1171,7 @@
             <a:pPr rtl="0"/>
             <a:fld id="{7CFDB409-DC9D-40CF-939D-973CAB3BAB25}" type="datetime1">
               <a:rPr lang="pt-BR" noProof="0" smtClean="0"/>
-              <a:t>15/03/2021</a:t>
+              <a:t>23/03/2021</a:t>
             </a:fld>
             <a:endParaRPr lang="pt-BR" noProof="0" dirty="0"/>
           </a:p>
@@ -3270,7 +3277,7 @@
             <a:pPr rtl="0"/>
             <a:fld id="{7386073F-07CC-4F54-983C-A08F76E2B22C}" type="datetime1">
               <a:rPr lang="pt-BR" noProof="0" smtClean="0"/>
-              <a:t>15/03/2021</a:t>
+              <a:t>23/03/2021</a:t>
             </a:fld>
             <a:endParaRPr lang="pt-BR" noProof="0" dirty="0"/>
           </a:p>
@@ -3494,7 +3501,7 @@
             <a:pPr rtl="0"/>
             <a:fld id="{A09B9D17-E8D2-48F1-BB8E-8435624068C9}" type="datetime1">
               <a:rPr lang="pt-BR" noProof="0" smtClean="0"/>
-              <a:t>15/03/2021</a:t>
+              <a:t>23/03/2021</a:t>
             </a:fld>
             <a:endParaRPr lang="pt-BR" noProof="0" dirty="0"/>
           </a:p>
@@ -3782,7 +3789,7 @@
             <a:pPr rtl="0"/>
             <a:fld id="{3CC651F5-80DD-4CFE-BBBA-2C23591EF509}" type="datetime1">
               <a:rPr lang="pt-BR" noProof="0" smtClean="0"/>
-              <a:t>15/03/2021</a:t>
+              <a:t>23/03/2021</a:t>
             </a:fld>
             <a:endParaRPr lang="pt-BR" noProof="0" dirty="0"/>
           </a:p>
@@ -4112,7 +4119,7 @@
             <a:pPr rtl="0"/>
             <a:fld id="{E20F3F8A-A3F9-49EF-8A63-4F3E8648871C}" type="datetime1">
               <a:rPr lang="pt-BR" noProof="0" smtClean="0"/>
-              <a:t>15/03/2021</a:t>
+              <a:t>23/03/2021</a:t>
             </a:fld>
             <a:endParaRPr lang="pt-BR" noProof="0" dirty="0"/>
           </a:p>
@@ -4594,7 +4601,7 @@
             <a:pPr rtl="0"/>
             <a:fld id="{DEB5B092-D646-433C-8E29-1081397BD56B}" type="datetime1">
               <a:rPr lang="pt-BR" noProof="0" smtClean="0"/>
-              <a:t>15/03/2021</a:t>
+              <a:t>23/03/2021</a:t>
             </a:fld>
             <a:endParaRPr lang="pt-BR" noProof="0" dirty="0"/>
           </a:p>
@@ -4722,7 +4729,7 @@
             <a:pPr rtl="0"/>
             <a:fld id="{BB4CE6DC-A634-42A5-81DE-6C671B621413}" type="datetime1">
               <a:rPr lang="pt-BR" noProof="0" smtClean="0"/>
-              <a:t>15/03/2021</a:t>
+              <a:t>23/03/2021</a:t>
             </a:fld>
             <a:endParaRPr lang="pt-BR" noProof="0" dirty="0"/>
           </a:p>
@@ -5042,7 +5049,7 @@
             <a:pPr rtl="0"/>
             <a:fld id="{D2212A4E-660E-4296-8499-89CF1C51321A}" type="datetime1">
               <a:rPr lang="pt-BR" noProof="0" smtClean="0"/>
-              <a:t>15/03/2021</a:t>
+              <a:t>23/03/2021</a:t>
             </a:fld>
             <a:endParaRPr lang="pt-BR" noProof="0" dirty="0"/>
           </a:p>
@@ -5380,7 +5387,7 @@
             <a:pPr rtl="0"/>
             <a:fld id="{B1912D32-F3CE-450A-AE4E-30B99005B8FD}" type="datetime1">
               <a:rPr lang="pt-BR" noProof="0" smtClean="0"/>
-              <a:t>15/03/2021</a:t>
+              <a:t>23/03/2021</a:t>
             </a:fld>
             <a:endParaRPr lang="pt-BR" noProof="0" dirty="0"/>
           </a:p>
@@ -5578,7 +5585,7 @@
             <a:pPr rtl="0"/>
             <a:fld id="{7B7F50BC-2F98-4AAD-BE27-6A84E4E8AC1C}" type="datetime1">
               <a:rPr lang="pt-BR" noProof="0" smtClean="0"/>
-              <a:t>15/03/2021</a:t>
+              <a:t>23/03/2021</a:t>
             </a:fld>
             <a:endParaRPr lang="pt-BR" noProof="0" dirty="0"/>
           </a:p>
@@ -5829,7 +5836,7 @@
             <a:pPr rtl="0"/>
             <a:fld id="{BFCDB3FC-E508-4872-9DA3-DD0C1E84DD1A}" type="datetime1">
               <a:rPr lang="pt-BR" noProof="0" smtClean="0"/>
-              <a:t>15/03/2021</a:t>
+              <a:t>23/03/2021</a:t>
             </a:fld>
             <a:endParaRPr lang="pt-BR" noProof="0" dirty="0"/>
           </a:p>
@@ -18622,13 +18629,13 @@
                 </a:solidFill>
                 <a:latin typeface="Consolas" panose="020B0609020204030204" pitchFamily="49" charset="0"/>
               </a:rPr>
-              <a:t>int</a:t>
+              <a:t>char</a:t>
             </a:r>
             <a:r>
               <a:rPr lang="sv-SE" dirty="0">
                 <a:latin typeface="Consolas" panose="020B0609020204030204" pitchFamily="49" charset="0"/>
               </a:rPr>
-              <a:t> val;</a:t>
+              <a:t> ch;</a:t>
             </a:r>
           </a:p>
           <a:p>
@@ -18636,7 +18643,7 @@
               <a:rPr lang="sv-SE" dirty="0">
                 <a:latin typeface="Consolas" panose="020B0609020204030204" pitchFamily="49" charset="0"/>
               </a:rPr>
-              <a:t>cin &gt;&gt; val;</a:t>
+              <a:t>cin.get(ch);</a:t>
             </a:r>
           </a:p>
           <a:p>
@@ -19798,6 +19805,17 @@
 </file>
 
 <file path=customXml/item1.xml><?xml version="1.0" encoding="utf-8"?>
+<p:properties xmlns:p="http://schemas.microsoft.com/office/2006/metadata/properties" xmlns:xsi="http://www.w3.org/2001/XMLSchema-instance" xmlns:pc="http://schemas.microsoft.com/office/infopath/2007/PartnerControls">
+  <documentManagement>
+    <VSO_x0020_item_x0020_id xmlns="40262f94-9f35-4ac3-9a90-690165a166b7" xsi:nil="true"/>
+    <Assetid_x0020_ xmlns="40262f94-9f35-4ac3-9a90-690165a166b7" xsi:nil="true"/>
+    <Item_x0020_Details xmlns="40262f94-9f35-4ac3-9a90-690165a166b7" xsi:nil="true"/>
+    <Template_x0020_details xmlns="40262f94-9f35-4ac3-9a90-690165a166b7" xsi:nil="true"/>
+  </documentManagement>
+</p:properties>
+</file>
+
+<file path=customXml/item2.xml><?xml version="1.0" encoding="utf-8"?>
 <ct:contentTypeSchema xmlns:ct="http://schemas.microsoft.com/office/2006/metadata/contentType" xmlns:ma="http://schemas.microsoft.com/office/2006/metadata/properties/metaAttributes" ct:_="" ma:_="" ma:contentTypeName="Document" ma:contentTypeID="0x010100AA3F7D94069FF64A86F7DFF56D60E3BE" ma:contentTypeVersion="6" ma:contentTypeDescription="Create a new document." ma:contentTypeScope="" ma:versionID="c32302c77d4085ecf495bdddb7f5e889">
   <xsd:schema xmlns:xsd="http://www.w3.org/2001/XMLSchema" xmlns:xs="http://www.w3.org/2001/XMLSchema" xmlns:p="http://schemas.microsoft.com/office/2006/metadata/properties" xmlns:ns2="a4f35948-e619-41b3-aa29-22878b09cfd2" xmlns:ns3="40262f94-9f35-4ac3-9a90-690165a166b7" targetNamespace="http://schemas.microsoft.com/office/2006/metadata/properties" ma:root="true" ma:fieldsID="4ab5ae46be95f9d0be6107e8200be7a2" ns2:_="" ns3:_="">
     <xsd:import namespace="a4f35948-e619-41b3-aa29-22878b09cfd2"/>
@@ -19978,17 +19996,6 @@
 </ct:contentTypeSchema>
 </file>
 
-<file path=customXml/item2.xml><?xml version="1.0" encoding="utf-8"?>
-<p:properties xmlns:p="http://schemas.microsoft.com/office/2006/metadata/properties" xmlns:xsi="http://www.w3.org/2001/XMLSchema-instance" xmlns:pc="http://schemas.microsoft.com/office/infopath/2007/PartnerControls">
-  <documentManagement>
-    <VSO_x0020_item_x0020_id xmlns="40262f94-9f35-4ac3-9a90-690165a166b7" xsi:nil="true"/>
-    <Assetid_x0020_ xmlns="40262f94-9f35-4ac3-9a90-690165a166b7" xsi:nil="true"/>
-    <Item_x0020_Details xmlns="40262f94-9f35-4ac3-9a90-690165a166b7" xsi:nil="true"/>
-    <Template_x0020_details xmlns="40262f94-9f35-4ac3-9a90-690165a166b7" xsi:nil="true"/>
-  </documentManagement>
-</p:properties>
-</file>
-
 <file path=customXml/item3.xml><?xml version="1.0" encoding="utf-8"?>
 <?mso-contentType ?>
 <FormTemplates xmlns="http://schemas.microsoft.com/sharepoint/v3/contenttype/forms">
@@ -19999,6 +20006,16 @@
 </file>
 
 <file path=customXml/itemProps1.xml><?xml version="1.0" encoding="utf-8"?>
+<ds:datastoreItem xmlns:ds="http://schemas.openxmlformats.org/officeDocument/2006/customXml" ds:itemID="{045C5BB1-9D2C-412A-AE6C-0FC75190A4CE}">
+  <ds:schemaRefs>
+    <ds:schemaRef ds:uri="http://schemas.microsoft.com/office/2006/metadata/properties"/>
+    <ds:schemaRef ds:uri="http://schemas.microsoft.com/office/infopath/2007/PartnerControls"/>
+    <ds:schemaRef ds:uri="40262f94-9f35-4ac3-9a90-690165a166b7"/>
+  </ds:schemaRefs>
+</ds:datastoreItem>
+</file>
+
+<file path=customXml/itemProps2.xml><?xml version="1.0" encoding="utf-8"?>
 <ds:datastoreItem xmlns:ds="http://schemas.openxmlformats.org/officeDocument/2006/customXml" ds:itemID="{E6A2223A-9182-462D-922F-5606A5A90760}">
   <ds:schemaRefs>
     <ds:schemaRef ds:uri="http://schemas.microsoft.com/office/2006/metadata/contentType"/>
@@ -20017,16 +20034,6 @@
 </ds:datastoreItem>
 </file>
 
-<file path=customXml/itemProps2.xml><?xml version="1.0" encoding="utf-8"?>
-<ds:datastoreItem xmlns:ds="http://schemas.openxmlformats.org/officeDocument/2006/customXml" ds:itemID="{045C5BB1-9D2C-412A-AE6C-0FC75190A4CE}">
-  <ds:schemaRefs>
-    <ds:schemaRef ds:uri="http://schemas.microsoft.com/office/2006/metadata/properties"/>
-    <ds:schemaRef ds:uri="http://schemas.microsoft.com/office/infopath/2007/PartnerControls"/>
-    <ds:schemaRef ds:uri="40262f94-9f35-4ac3-9a90-690165a166b7"/>
-  </ds:schemaRefs>
-</ds:datastoreItem>
-</file>
-
 <file path=customXml/itemProps3.xml><?xml version="1.0" encoding="utf-8"?>
 <ds:datastoreItem xmlns:ds="http://schemas.openxmlformats.org/officeDocument/2006/customXml" ds:itemID="{2B6DE00F-F2BC-4082-AB87-D0D78777DE1E}">
   <ds:schemaRefs>
